--- a/docs/architecture/overview.pptx
+++ b/docs/architecture/overview.pptx
@@ -3400,8 +3400,8 @@
         </p:nvSpPr>
         <p:spPr>
           <a:xfrm rot="16200000">
-            <a:off x="6622856" y="5106711"/>
-            <a:ext cx="377624" cy="514701"/>
+            <a:off x="6637328" y="5092241"/>
+            <a:ext cx="377624" cy="543641"/>
           </a:xfrm>
           <a:prstGeom prst="downArrow">
             <a:avLst/>
@@ -5011,8 +5011,8 @@
         </p:nvSpPr>
         <p:spPr>
           <a:xfrm>
-            <a:off x="6008710" y="1509143"/>
-            <a:ext cx="5042072" cy="160421"/>
+            <a:off x="6029957" y="1515027"/>
+            <a:ext cx="5042072" cy="153948"/>
           </a:xfrm>
           <a:prstGeom prst="rect">
             <a:avLst/>
@@ -5070,12 +5070,12 @@
         </p:nvSpPr>
         <p:spPr>
           <a:xfrm rot="5400000">
-            <a:off x="10996527" y="1565127"/>
-            <a:ext cx="658127" cy="549619"/>
+            <a:off x="10929946" y="1554653"/>
+            <a:ext cx="658127" cy="582047"/>
           </a:xfrm>
           <a:prstGeom prst="bentArrow">
             <a:avLst>
-              <a:gd name="adj1" fmla="val 29132"/>
+              <a:gd name="adj1" fmla="val 26405"/>
               <a:gd name="adj2" fmla="val 14566"/>
               <a:gd name="adj3" fmla="val 0"/>
               <a:gd name="adj4" fmla="val 16291"/>
@@ -5235,8 +5235,8 @@
         </p:nvSpPr>
         <p:spPr>
           <a:xfrm>
-            <a:off x="11362920" y="2104387"/>
-            <a:ext cx="311468" cy="1137644"/>
+            <a:off x="11313984" y="2057386"/>
+            <a:ext cx="295809" cy="1137644"/>
           </a:xfrm>
           <a:prstGeom prst="downArrow">
             <a:avLst/>
@@ -6492,8 +6492,8 @@
         </p:nvSpPr>
         <p:spPr>
           <a:xfrm rot="16200000">
-            <a:off x="7573077" y="4958059"/>
-            <a:ext cx="252247" cy="815195"/>
+            <a:off x="7877435" y="4932084"/>
+            <a:ext cx="305254" cy="815195"/>
           </a:xfrm>
           <a:prstGeom prst="downArrow">
             <a:avLst/>
@@ -6551,8 +6551,8 @@
         </p:nvSpPr>
         <p:spPr>
           <a:xfrm>
-            <a:off x="7741337" y="5356991"/>
-            <a:ext cx="242361" cy="518210"/>
+            <a:off x="7954934" y="5391424"/>
+            <a:ext cx="293977" cy="518210"/>
           </a:xfrm>
           <a:prstGeom prst="downArrow">
             <a:avLst/>
@@ -6669,7 +6669,7 @@
         </p:nvSpPr>
         <p:spPr>
           <a:xfrm rot="10800000">
-            <a:off x="7965596" y="4505403"/>
+            <a:off x="8283768" y="4482783"/>
             <a:ext cx="894954" cy="911725"/>
           </a:xfrm>
           <a:prstGeom prst="downArrow">
@@ -6728,7 +6728,7 @@
         </p:nvSpPr>
         <p:spPr>
           <a:xfrm>
-            <a:off x="8072695" y="4720337"/>
+            <a:off x="8413337" y="4721817"/>
             <a:ext cx="666612" cy="415807"/>
           </a:xfrm>
           <a:prstGeom prst="rect">
@@ -6760,7 +6760,15 @@
             <a:pPr algn="ctr"/>
             <a:r>
               <a:rPr lang="en-GB" sz="1000" dirty="0"/>
-              <a:t>Control Lines</a:t>
+              <a:t>Control</a:t>
+            </a:r>
+            <a:r>
+              <a:rPr lang="en-GB" sz="1000" b="1" dirty="0"/>
+              <a:t> </a:t>
+            </a:r>
+            <a:r>
+              <a:rPr lang="en-GB" sz="1000" dirty="0"/>
+              <a:t>Lines</a:t>
             </a:r>
             <a:endParaRPr lang="en-US" sz="1000" dirty="0"/>
           </a:p>
@@ -6780,8 +6788,8 @@
         </p:nvSpPr>
         <p:spPr>
           <a:xfrm rot="5400000">
-            <a:off x="8000102" y="5639856"/>
-            <a:ext cx="786444" cy="208889"/>
+            <a:off x="8225093" y="5711343"/>
+            <a:ext cx="986428" cy="208889"/>
           </a:xfrm>
           <a:prstGeom prst="rect">
             <a:avLst/>
@@ -6839,14 +6847,14 @@
         </p:nvSpPr>
         <p:spPr>
           <a:xfrm rot="10800000" flipH="1">
-            <a:off x="8288879" y="6097846"/>
-            <a:ext cx="2110182" cy="617186"/>
+            <a:off x="8613862" y="6137182"/>
+            <a:ext cx="1832101" cy="561688"/>
           </a:xfrm>
           <a:prstGeom prst="bentArrow">
             <a:avLst>
-              <a:gd name="adj1" fmla="val 32833"/>
-              <a:gd name="adj2" fmla="val 26383"/>
-              <a:gd name="adj3" fmla="val 24232"/>
+              <a:gd name="adj1" fmla="val 35640"/>
+              <a:gd name="adj2" fmla="val 30593"/>
+              <a:gd name="adj3" fmla="val 29846"/>
               <a:gd name="adj4" fmla="val 18474"/>
             </a:avLst>
           </a:prstGeom>
@@ -6903,7 +6911,7 @@
         </p:nvSpPr>
         <p:spPr>
           <a:xfrm>
-            <a:off x="7075800" y="5230852"/>
+            <a:off x="7340116" y="5213422"/>
             <a:ext cx="630973" cy="252248"/>
           </a:xfrm>
           <a:prstGeom prst="rect">
@@ -6952,8 +6960,8 @@
         </p:nvSpPr>
         <p:spPr>
           <a:xfrm>
-            <a:off x="7960818" y="5530406"/>
-            <a:ext cx="217866" cy="274840"/>
+            <a:off x="7772095" y="5748131"/>
+            <a:ext cx="217866" cy="137626"/>
           </a:xfrm>
           <a:prstGeom prst="rect">
             <a:avLst/>
@@ -7004,7 +7012,7 @@
         </p:nvSpPr>
         <p:spPr>
           <a:xfrm>
-            <a:off x="8939300" y="6429468"/>
+            <a:off x="8939300" y="6386391"/>
             <a:ext cx="712796" cy="269402"/>
           </a:xfrm>
           <a:prstGeom prst="rect">
@@ -7167,8 +7175,8 @@
         </p:nvSpPr>
         <p:spPr>
           <a:xfrm rot="16200000">
-            <a:off x="9143177" y="4335036"/>
-            <a:ext cx="294407" cy="3295554"/>
+            <a:off x="9237655" y="4455930"/>
+            <a:ext cx="320824" cy="3080182"/>
           </a:xfrm>
           <a:prstGeom prst="downArrow">
             <a:avLst/>
@@ -7226,7 +7234,7 @@
         </p:nvSpPr>
         <p:spPr>
           <a:xfrm>
-            <a:off x="7499633" y="5876544"/>
+            <a:off x="7762630" y="5886937"/>
             <a:ext cx="630235" cy="257290"/>
           </a:xfrm>
           <a:prstGeom prst="rect">
@@ -7473,8 +7481,8 @@
         </p:nvSpPr>
         <p:spPr>
           <a:xfrm>
-            <a:off x="7015831" y="3606689"/>
-            <a:ext cx="4830689" cy="3199978"/>
+            <a:off x="7110212" y="3606689"/>
+            <a:ext cx="4736308" cy="3199978"/>
           </a:xfrm>
           <a:prstGeom prst="rect">
             <a:avLst/>
@@ -9810,7 +9818,7 @@
         </p:nvSpPr>
         <p:spPr>
           <a:xfrm>
-            <a:off x="8095136" y="5207665"/>
+            <a:off x="8423170" y="5195348"/>
             <a:ext cx="622983" cy="252248"/>
           </a:xfrm>
           <a:prstGeom prst="rect">
@@ -9859,7 +9867,7 @@
         </p:nvSpPr>
         <p:spPr>
           <a:xfrm>
-            <a:off x="9177818" y="5242273"/>
+            <a:off x="9365545" y="5248310"/>
             <a:ext cx="894955" cy="164314"/>
           </a:xfrm>
           <a:prstGeom prst="rect">
@@ -10022,8 +10030,8 @@
         </p:nvSpPr>
         <p:spPr>
           <a:xfrm rot="16200000" flipH="1">
-            <a:off x="6918652" y="4081246"/>
-            <a:ext cx="1487340" cy="820552"/>
+            <a:off x="7134820" y="4069837"/>
+            <a:ext cx="1464522" cy="820552"/>
           </a:xfrm>
           <a:prstGeom prst="bentArrow">
             <a:avLst>

--- a/docs/architecture/overview.pptx
+++ b/docs/architecture/overview.pptx
@@ -10361,6 +10361,55 @@
           </a:p>
         </p:txBody>
       </p:sp>
+      <p:sp>
+        <p:nvSpPr>
+          <p:cNvPr id="135" name="Rectangle 134">
+            <a:extLst>
+              <a:ext uri="{FF2B5EF4-FFF2-40B4-BE49-F238E27FC236}">
+                <a16:creationId xmlns:a16="http://schemas.microsoft.com/office/drawing/2014/main" id="{5DD0E8E6-F726-4D3E-97D1-6169EF46FC97}"/>
+              </a:ext>
+            </a:extLst>
+          </p:cNvPr>
+          <p:cNvSpPr/>
+          <p:nvPr/>
+        </p:nvSpPr>
+        <p:spPr>
+          <a:xfrm>
+            <a:off x="3146484" y="1636440"/>
+            <a:ext cx="827690" cy="280496"/>
+          </a:xfrm>
+          <a:prstGeom prst="rect">
+            <a:avLst/>
+          </a:prstGeom>
+          <a:ln w="3175"/>
+        </p:spPr>
+        <p:style>
+          <a:lnRef idx="2">
+            <a:schemeClr val="dk1"/>
+          </a:lnRef>
+          <a:fillRef idx="1">
+            <a:schemeClr val="lt1"/>
+          </a:fillRef>
+          <a:effectRef idx="0">
+            <a:schemeClr val="dk1"/>
+          </a:effectRef>
+          <a:fontRef idx="minor">
+            <a:schemeClr val="dk1"/>
+          </a:fontRef>
+        </p:style>
+        <p:txBody>
+          <a:bodyPr rtlCol="0" anchor="ctr"/>
+          <a:lstStyle/>
+          <a:p>
+            <a:pPr algn="ctr"/>
+            <a:r>
+              <a:rPr lang="en-GB" sz="1000" dirty="0"/>
+              <a:t>S</a:t>
+            </a:r>
+            <a:endParaRPr lang="en-US" sz="1000" dirty="0"/>
+          </a:p>
+        </p:txBody>
+      </p:sp>
     </p:spTree>
     <p:extLst>
       <p:ext uri="{BB962C8B-B14F-4D97-AF65-F5344CB8AC3E}">

--- a/docs/architecture/overview.pptx
+++ b/docs/architecture/overview.pptx
@@ -3351,7 +3351,7 @@
         </p:nvSpPr>
         <p:spPr>
           <a:xfrm rot="10800000">
-            <a:off x="6156717" y="4461040"/>
+            <a:off x="5916372" y="4253385"/>
             <a:ext cx="266905" cy="318842"/>
           </a:xfrm>
           <a:prstGeom prst="downArrow">
@@ -3400,7 +3400,7 @@
         </p:nvSpPr>
         <p:spPr>
           <a:xfrm rot="16200000">
-            <a:off x="6637328" y="5092241"/>
+            <a:off x="6396983" y="4884586"/>
             <a:ext cx="377624" cy="543641"/>
           </a:xfrm>
           <a:prstGeom prst="downArrow">
@@ -3449,7 +3449,7 @@
         </p:nvSpPr>
         <p:spPr>
           <a:xfrm rot="5400000">
-            <a:off x="5814487" y="5213423"/>
+            <a:off x="5574142" y="5005768"/>
             <a:ext cx="1251158" cy="252249"/>
           </a:xfrm>
           <a:prstGeom prst="rect">
@@ -3498,7 +3498,7 @@
         </p:nvSpPr>
         <p:spPr>
           <a:xfrm>
-            <a:off x="5875785" y="5239449"/>
+            <a:off x="5635440" y="5031794"/>
             <a:ext cx="274718" cy="208147"/>
           </a:xfrm>
           <a:prstGeom prst="rect">
@@ -3543,7 +3543,7 @@
         </p:nvSpPr>
         <p:spPr>
           <a:xfrm rot="10800000">
-            <a:off x="2269781" y="4580180"/>
+            <a:off x="2029436" y="4372525"/>
             <a:ext cx="286564" cy="566892"/>
           </a:xfrm>
           <a:prstGeom prst="downArrow">
@@ -3588,7 +3588,7 @@
         </p:nvSpPr>
         <p:spPr>
           <a:xfrm>
-            <a:off x="870446" y="3881223"/>
+            <a:off x="630101" y="3673568"/>
             <a:ext cx="256219" cy="149026"/>
           </a:xfrm>
           <a:prstGeom prst="rect">
@@ -3633,7 +3633,7 @@
         </p:nvSpPr>
         <p:spPr>
           <a:xfrm>
-            <a:off x="2466014" y="4109668"/>
+            <a:off x="2225669" y="3902013"/>
             <a:ext cx="256219" cy="149026"/>
           </a:xfrm>
           <a:prstGeom prst="rect">
@@ -3678,7 +3678,7 @@
         </p:nvSpPr>
         <p:spPr>
           <a:xfrm>
-            <a:off x="2816263" y="5088021"/>
+            <a:off x="2575918" y="4880366"/>
             <a:ext cx="442216" cy="183414"/>
           </a:xfrm>
           <a:prstGeom prst="rect">
@@ -3723,7 +3723,7 @@
         </p:nvSpPr>
         <p:spPr>
           <a:xfrm>
-            <a:off x="3399626" y="3242031"/>
+            <a:off x="3159281" y="3034376"/>
             <a:ext cx="752508" cy="193337"/>
           </a:xfrm>
           <a:prstGeom prst="rect">
@@ -3777,7 +3777,7 @@
         </p:nvSpPr>
         <p:spPr>
           <a:xfrm>
-            <a:off x="5703707" y="1510872"/>
+            <a:off x="5463362" y="1303217"/>
             <a:ext cx="605333" cy="549619"/>
           </a:xfrm>
           <a:prstGeom prst="bentArrow">
@@ -3841,7 +3841,7 @@
         </p:nvSpPr>
         <p:spPr>
           <a:xfrm>
-            <a:off x="5164366" y="2027738"/>
+            <a:off x="4857646" y="1798438"/>
             <a:ext cx="827690" cy="280496"/>
           </a:xfrm>
           <a:prstGeom prst="rect">
@@ -3890,7 +3890,7 @@
         </p:nvSpPr>
         <p:spPr>
           <a:xfrm>
-            <a:off x="1644241" y="381984"/>
+            <a:off x="584641" y="184033"/>
             <a:ext cx="1491847" cy="212089"/>
           </a:xfrm>
           <a:prstGeom prst="rect">
@@ -3939,7 +3939,7 @@
         </p:nvSpPr>
         <p:spPr>
           <a:xfrm>
-            <a:off x="3428689" y="2813050"/>
+            <a:off x="3188344" y="2605395"/>
             <a:ext cx="7711753" cy="188929"/>
           </a:xfrm>
           <a:prstGeom prst="rect">
@@ -3993,8 +3993,8 @@
         </p:nvSpPr>
         <p:spPr>
           <a:xfrm>
-            <a:off x="2171460" y="3242031"/>
-            <a:ext cx="1240552" cy="199207"/>
+            <a:off x="1567927" y="3034376"/>
+            <a:ext cx="1603740" cy="199207"/>
           </a:xfrm>
           <a:prstGeom prst="rect">
             <a:avLst/>
@@ -4050,7 +4050,7 @@
         </p:nvSpPr>
         <p:spPr>
           <a:xfrm rot="10800000">
-            <a:off x="1520726" y="2292091"/>
+            <a:off x="539526" y="2098433"/>
             <a:ext cx="365659" cy="670373"/>
           </a:xfrm>
           <a:prstGeom prst="downArrow">
@@ -4103,7 +4103,7 @@
         </p:nvSpPr>
         <p:spPr>
           <a:xfrm rot="10800000">
-            <a:off x="2752205" y="2288130"/>
+            <a:off x="1635867" y="2105112"/>
             <a:ext cx="349589" cy="984754"/>
           </a:xfrm>
           <a:prstGeom prst="downArrow">
@@ -4160,7 +4160,7 @@
         </p:nvSpPr>
         <p:spPr>
           <a:xfrm rot="10800000">
-            <a:off x="1318776" y="3000814"/>
+            <a:off x="1078431" y="2793159"/>
             <a:ext cx="347047" cy="901796"/>
           </a:xfrm>
           <a:prstGeom prst="downArrow">
@@ -4213,7 +4213,7 @@
         </p:nvSpPr>
         <p:spPr>
           <a:xfrm rot="10800000">
-            <a:off x="2862433" y="3435368"/>
+            <a:off x="2622088" y="3227713"/>
             <a:ext cx="322094" cy="592410"/>
           </a:xfrm>
           <a:prstGeom prst="downArrow">
@@ -4268,8 +4268,8 @@
         </p:nvCxnSpPr>
         <p:spPr>
           <a:xfrm flipV="1">
-            <a:off x="704607" y="1259996"/>
-            <a:ext cx="11457559" cy="32122"/>
+            <a:off x="-24000" y="1103586"/>
+            <a:ext cx="12439345" cy="5813"/>
           </a:xfrm>
           <a:prstGeom prst="line">
             <a:avLst/>
@@ -4312,7 +4312,7 @@
         </p:nvSpPr>
         <p:spPr>
           <a:xfrm>
-            <a:off x="492241" y="2813051"/>
+            <a:off x="251896" y="2605396"/>
             <a:ext cx="2936449" cy="188928"/>
           </a:xfrm>
           <a:prstGeom prst="rect">
@@ -4369,8 +4369,8 @@
         </p:nvSpPr>
         <p:spPr>
           <a:xfrm>
-            <a:off x="1616039" y="1432537"/>
-            <a:ext cx="1421332" cy="215443"/>
+            <a:off x="677038" y="1250964"/>
+            <a:ext cx="1224760" cy="215443"/>
           </a:xfrm>
           <a:prstGeom prst="rect">
             <a:avLst/>
@@ -4430,7 +4430,7 @@
         </p:nvSpPr>
         <p:spPr>
           <a:xfrm>
-            <a:off x="1616039" y="1448657"/>
+            <a:off x="677038" y="1267084"/>
             <a:ext cx="193385" cy="571806"/>
           </a:xfrm>
           <a:prstGeom prst="rect">
@@ -4487,7 +4487,7 @@
         </p:nvSpPr>
         <p:spPr>
           <a:xfrm>
-            <a:off x="2843987" y="1484790"/>
+            <a:off x="1708414" y="1328554"/>
             <a:ext cx="193384" cy="571806"/>
           </a:xfrm>
           <a:prstGeom prst="rect">
@@ -4544,7 +4544,7 @@
         </p:nvSpPr>
         <p:spPr>
           <a:xfrm rot="10800000">
-            <a:off x="2270458" y="1113204"/>
+            <a:off x="1167377" y="915255"/>
             <a:ext cx="290349" cy="336508"/>
           </a:xfrm>
           <a:prstGeom prst="downArrow">
@@ -4597,7 +4597,7 @@
         </p:nvSpPr>
         <p:spPr>
           <a:xfrm>
-            <a:off x="4652780" y="3002928"/>
+            <a:off x="4412435" y="2795273"/>
             <a:ext cx="311468" cy="554453"/>
           </a:xfrm>
           <a:prstGeom prst="downArrow">
@@ -4647,7 +4647,7 @@
         </p:nvSpPr>
         <p:spPr>
           <a:xfrm>
-            <a:off x="5777561" y="2981271"/>
+            <a:off x="5537216" y="2773616"/>
             <a:ext cx="279665" cy="583226"/>
           </a:xfrm>
           <a:prstGeom prst="downArrow">
@@ -4697,7 +4697,7 @@
         </p:nvSpPr>
         <p:spPr>
           <a:xfrm rot="13509976">
-            <a:off x="4860890" y="3283286"/>
+            <a:off x="4620545" y="3075631"/>
             <a:ext cx="1002048" cy="1013769"/>
           </a:xfrm>
           <a:prstGeom prst="halfFrame">
@@ -4747,7 +4747,7 @@
         </p:nvSpPr>
         <p:spPr>
           <a:xfrm>
-            <a:off x="5520578" y="3543981"/>
+            <a:off x="5280233" y="3336326"/>
             <a:ext cx="827690" cy="261495"/>
           </a:xfrm>
           <a:prstGeom prst="rect">
@@ -4801,7 +4801,7 @@
         </p:nvSpPr>
         <p:spPr>
           <a:xfrm>
-            <a:off x="4408023" y="3543981"/>
+            <a:off x="4167678" y="3336326"/>
             <a:ext cx="827690" cy="252248"/>
           </a:xfrm>
           <a:prstGeom prst="rect">
@@ -4855,7 +4855,7 @@
         </p:nvSpPr>
         <p:spPr>
           <a:xfrm>
-            <a:off x="5115642" y="4044874"/>
+            <a:off x="4875297" y="3837219"/>
             <a:ext cx="475734" cy="274840"/>
           </a:xfrm>
           <a:prstGeom prst="rect">
@@ -4907,7 +4907,7 @@
         </p:nvSpPr>
         <p:spPr>
           <a:xfrm rot="5400000">
-            <a:off x="4609438" y="3778746"/>
+            <a:off x="4369093" y="3571091"/>
             <a:ext cx="352966" cy="1048600"/>
           </a:xfrm>
           <a:prstGeom prst="downArrow">
@@ -4957,7 +4957,7 @@
         </p:nvSpPr>
         <p:spPr>
           <a:xfrm rot="5400000">
-            <a:off x="3073660" y="3999094"/>
+            <a:off x="2833315" y="3791439"/>
             <a:ext cx="2186239" cy="189683"/>
           </a:xfrm>
           <a:prstGeom prst="rect">
@@ -5011,7 +5011,7 @@
         </p:nvSpPr>
         <p:spPr>
           <a:xfrm>
-            <a:off x="6029957" y="1515027"/>
+            <a:off x="5789612" y="1307372"/>
             <a:ext cx="5042072" cy="153948"/>
           </a:xfrm>
           <a:prstGeom prst="rect">
@@ -5070,7 +5070,7 @@
         </p:nvSpPr>
         <p:spPr>
           <a:xfrm rot="5400000">
-            <a:off x="10929946" y="1554653"/>
+            <a:off x="10689601" y="1346998"/>
             <a:ext cx="658127" cy="582047"/>
           </a:xfrm>
           <a:prstGeom prst="bentArrow">
@@ -5134,7 +5134,7 @@
         </p:nvSpPr>
         <p:spPr>
           <a:xfrm>
-            <a:off x="3285461" y="5259053"/>
+            <a:off x="3045116" y="5051398"/>
             <a:ext cx="475734" cy="274840"/>
           </a:xfrm>
           <a:prstGeom prst="rect">
@@ -5186,7 +5186,7 @@
         </p:nvSpPr>
         <p:spPr>
           <a:xfrm>
-            <a:off x="1090117" y="3679139"/>
+            <a:off x="849772" y="3471484"/>
             <a:ext cx="820911" cy="606588"/>
           </a:xfrm>
           <a:prstGeom prst="rect">
@@ -5235,7 +5235,7 @@
         </p:nvSpPr>
         <p:spPr>
           <a:xfrm>
-            <a:off x="11313984" y="2057386"/>
+            <a:off x="11073639" y="1849731"/>
             <a:ext cx="295809" cy="1137644"/>
           </a:xfrm>
           <a:prstGeom prst="downArrow">
@@ -5294,7 +5294,7 @@
         </p:nvSpPr>
         <p:spPr>
           <a:xfrm>
-            <a:off x="6115599" y="2797622"/>
+            <a:off x="5875254" y="2589967"/>
             <a:ext cx="827690" cy="252248"/>
           </a:xfrm>
           <a:prstGeom prst="rect">
@@ -5346,7 +5346,7 @@
         </p:nvSpPr>
         <p:spPr>
           <a:xfrm rot="10800000">
-            <a:off x="710817" y="4327868"/>
+            <a:off x="470472" y="4120213"/>
             <a:ext cx="286564" cy="705694"/>
           </a:xfrm>
           <a:prstGeom prst="downArrow">
@@ -5391,7 +5391,7 @@
         </p:nvSpPr>
         <p:spPr>
           <a:xfrm>
-            <a:off x="2007497" y="5019439"/>
+            <a:off x="1767152" y="4811784"/>
             <a:ext cx="827690" cy="280566"/>
           </a:xfrm>
           <a:prstGeom prst="rect">
@@ -5440,7 +5440,7 @@
         </p:nvSpPr>
         <p:spPr>
           <a:xfrm>
-            <a:off x="2638224" y="3876596"/>
+            <a:off x="2397879" y="3668941"/>
             <a:ext cx="817414" cy="616383"/>
           </a:xfrm>
           <a:prstGeom prst="rect">
@@ -5489,7 +5489,7 @@
         </p:nvSpPr>
         <p:spPr>
           <a:xfrm>
-            <a:off x="5296616" y="549000"/>
+            <a:off x="4954234" y="342230"/>
             <a:ext cx="316866" cy="1477427"/>
           </a:xfrm>
           <a:prstGeom prst="downArrow">
@@ -5534,64 +5534,10 @@
       </p:sp>
       <p:sp>
         <p:nvSpPr>
-          <p:cNvPr id="238" name="Arrow: Down 237">
-            <a:extLst>
-              <a:ext uri="{FF2B5EF4-FFF2-40B4-BE49-F238E27FC236}">
-                <a16:creationId xmlns:a16="http://schemas.microsoft.com/office/drawing/2014/main" id="{AF047A57-A7D7-4847-B6B6-6A0E622E9C31}"/>
-              </a:ext>
-            </a:extLst>
-          </p:cNvPr>
-          <p:cNvSpPr/>
-          <p:nvPr/>
-        </p:nvSpPr>
-        <p:spPr>
-          <a:xfrm>
-            <a:off x="4326272" y="564819"/>
-            <a:ext cx="322934" cy="1444526"/>
-          </a:xfrm>
-          <a:prstGeom prst="downArrow">
-            <a:avLst/>
-          </a:prstGeom>
-          <a:solidFill>
-            <a:srgbClr val="FFFF00"/>
-          </a:solidFill>
-          <a:ln w="3175">
-            <a:noFill/>
-          </a:ln>
-        </p:spPr>
-        <p:style>
-          <a:lnRef idx="2">
-            <a:schemeClr val="dk1"/>
-          </a:lnRef>
-          <a:fillRef idx="1">
-            <a:schemeClr val="lt1"/>
-          </a:fillRef>
-          <a:effectRef idx="0">
-            <a:schemeClr val="dk1"/>
-          </a:effectRef>
-          <a:fontRef idx="minor">
-            <a:schemeClr val="dk1"/>
-          </a:fontRef>
-        </p:style>
-        <p:txBody>
-          <a:bodyPr rtlCol="0" anchor="ctr"/>
-          <a:lstStyle/>
-          <a:p>
-            <a:pPr algn="ctr"/>
-            <a:endParaRPr lang="en-US" sz="1000">
-              <a:solidFill>
-                <a:schemeClr val="tx1"/>
-              </a:solidFill>
-            </a:endParaRPr>
-          </a:p>
-        </p:txBody>
-      </p:sp>
-      <p:sp>
-        <p:nvSpPr>
-          <p:cNvPr id="180" name="Arrow: Down 179">
-            <a:extLst>
-              <a:ext uri="{FF2B5EF4-FFF2-40B4-BE49-F238E27FC236}">
-                <a16:creationId xmlns:a16="http://schemas.microsoft.com/office/drawing/2014/main" id="{F333A4EE-4BF3-4C0A-B065-44968D6849DC}"/>
+          <p:cNvPr id="183" name="Arrow: Down 182">
+            <a:extLst>
+              <a:ext uri="{FF2B5EF4-FFF2-40B4-BE49-F238E27FC236}">
+                <a16:creationId xmlns:a16="http://schemas.microsoft.com/office/drawing/2014/main" id="{5CA6E6E1-EC3E-4CB0-9B03-5C336236D96C}"/>
               </a:ext>
             </a:extLst>
           </p:cNvPr>
@@ -5600,61 +5546,7 @@
         </p:nvSpPr>
         <p:spPr>
           <a:xfrm rot="10800000">
-            <a:off x="3982904" y="570978"/>
-            <a:ext cx="323268" cy="1444880"/>
-          </a:xfrm>
-          <a:prstGeom prst="downArrow">
-            <a:avLst/>
-          </a:prstGeom>
-          <a:solidFill>
-            <a:srgbClr val="FFFF00"/>
-          </a:solidFill>
-          <a:ln w="3175">
-            <a:noFill/>
-          </a:ln>
-        </p:spPr>
-        <p:style>
-          <a:lnRef idx="2">
-            <a:schemeClr val="dk1"/>
-          </a:lnRef>
-          <a:fillRef idx="1">
-            <a:schemeClr val="lt1"/>
-          </a:fillRef>
-          <a:effectRef idx="0">
-            <a:schemeClr val="dk1"/>
-          </a:effectRef>
-          <a:fontRef idx="minor">
-            <a:schemeClr val="dk1"/>
-          </a:fontRef>
-        </p:style>
-        <p:txBody>
-          <a:bodyPr rtlCol="0" anchor="ctr"/>
-          <a:lstStyle/>
-          <a:p>
-            <a:pPr algn="ctr"/>
-            <a:endParaRPr lang="en-US" sz="1000">
-              <a:solidFill>
-                <a:schemeClr val="tx1"/>
-              </a:solidFill>
-            </a:endParaRPr>
-          </a:p>
-        </p:txBody>
-      </p:sp>
-      <p:sp>
-        <p:nvSpPr>
-          <p:cNvPr id="183" name="Arrow: Down 182">
-            <a:extLst>
-              <a:ext uri="{FF2B5EF4-FFF2-40B4-BE49-F238E27FC236}">
-                <a16:creationId xmlns:a16="http://schemas.microsoft.com/office/drawing/2014/main" id="{5CA6E6E1-EC3E-4CB0-9B03-5C336236D96C}"/>
-              </a:ext>
-            </a:extLst>
-          </p:cNvPr>
-          <p:cNvSpPr/>
-          <p:nvPr/>
-        </p:nvSpPr>
-        <p:spPr>
-          <a:xfrm rot="10800000">
-            <a:off x="2270457" y="587111"/>
+            <a:off x="1167377" y="404885"/>
             <a:ext cx="290349" cy="385812"/>
           </a:xfrm>
           <a:prstGeom prst="downArrow">
@@ -5707,8 +5599,8 @@
         </p:nvSpPr>
         <p:spPr>
           <a:xfrm>
-            <a:off x="3151484" y="396655"/>
-            <a:ext cx="2660942" cy="177760"/>
+            <a:off x="2316000" y="189000"/>
+            <a:ext cx="3256081" cy="178730"/>
           </a:xfrm>
           <a:prstGeom prst="rect">
             <a:avLst/>
@@ -5761,7 +5653,7 @@
         </p:nvSpPr>
         <p:spPr>
           <a:xfrm>
-            <a:off x="4173614" y="363342"/>
+            <a:off x="3427602" y="146644"/>
             <a:ext cx="827690" cy="252248"/>
           </a:xfrm>
           <a:prstGeom prst="rect">
@@ -5801,10 +5693,10 @@
       </p:sp>
       <p:sp>
         <p:nvSpPr>
-          <p:cNvPr id="241" name="Arrow: Down 240">
-            <a:extLst>
-              <a:ext uri="{FF2B5EF4-FFF2-40B4-BE49-F238E27FC236}">
-                <a16:creationId xmlns:a16="http://schemas.microsoft.com/office/drawing/2014/main" id="{6AB3DED6-3F5B-4EE5-A13C-F8451251D528}"/>
+          <p:cNvPr id="262" name="Rectangle 261">
+            <a:extLst>
+              <a:ext uri="{FF2B5EF4-FFF2-40B4-BE49-F238E27FC236}">
+                <a16:creationId xmlns:a16="http://schemas.microsoft.com/office/drawing/2014/main" id="{24EB4181-E64A-4000-93D0-B9B7C089BCD0}"/>
               </a:ext>
             </a:extLst>
           </p:cNvPr>
@@ -5813,107 +5705,7 @@
         </p:nvSpPr>
         <p:spPr>
           <a:xfrm>
-            <a:off x="6373938" y="2236515"/>
-            <a:ext cx="296092" cy="583638"/>
-          </a:xfrm>
-          <a:prstGeom prst="downArrow">
-            <a:avLst/>
-          </a:prstGeom>
-          <a:solidFill>
-            <a:srgbClr val="FFC000"/>
-          </a:solidFill>
-          <a:ln w="3175">
-            <a:noFill/>
-          </a:ln>
-        </p:spPr>
-        <p:style>
-          <a:lnRef idx="2">
-            <a:schemeClr val="dk1"/>
-          </a:lnRef>
-          <a:fillRef idx="1">
-            <a:schemeClr val="lt1"/>
-          </a:fillRef>
-          <a:effectRef idx="0">
-            <a:schemeClr val="dk1"/>
-          </a:effectRef>
-          <a:fontRef idx="minor">
-            <a:schemeClr val="dk1"/>
-          </a:fontRef>
-        </p:style>
-        <p:txBody>
-          <a:bodyPr rtlCol="0" anchor="ctr"/>
-          <a:lstStyle/>
-          <a:p>
-            <a:pPr algn="ctr"/>
-            <a:endParaRPr lang="en-US" sz="1000"/>
-          </a:p>
-        </p:txBody>
-      </p:sp>
-      <p:sp>
-        <p:nvSpPr>
-          <p:cNvPr id="242" name="Arrow: Down 241">
-            <a:extLst>
-              <a:ext uri="{FF2B5EF4-FFF2-40B4-BE49-F238E27FC236}">
-                <a16:creationId xmlns:a16="http://schemas.microsoft.com/office/drawing/2014/main" id="{F5CF8542-8AF9-46C6-9B79-F3D9C428BDE0}"/>
-              </a:ext>
-            </a:extLst>
-          </p:cNvPr>
-          <p:cNvSpPr/>
-          <p:nvPr/>
-        </p:nvSpPr>
-        <p:spPr>
-          <a:xfrm rot="10800000">
-            <a:off x="6719739" y="2303826"/>
-            <a:ext cx="296092" cy="630375"/>
-          </a:xfrm>
-          <a:prstGeom prst="downArrow">
-            <a:avLst/>
-          </a:prstGeom>
-          <a:solidFill>
-            <a:srgbClr val="FFC000"/>
-          </a:solidFill>
-          <a:ln w="3175">
-            <a:noFill/>
-          </a:ln>
-        </p:spPr>
-        <p:style>
-          <a:lnRef idx="2">
-            <a:schemeClr val="dk1"/>
-          </a:lnRef>
-          <a:fillRef idx="1">
-            <a:schemeClr val="lt1"/>
-          </a:fillRef>
-          <a:effectRef idx="0">
-            <a:schemeClr val="dk1"/>
-          </a:effectRef>
-          <a:fontRef idx="minor">
-            <a:schemeClr val="dk1"/>
-          </a:fontRef>
-        </p:style>
-        <p:txBody>
-          <a:bodyPr rtlCol="0" anchor="ctr"/>
-          <a:lstStyle/>
-          <a:p>
-            <a:pPr algn="ctr"/>
-            <a:endParaRPr lang="en-US" sz="1000"/>
-          </a:p>
-        </p:txBody>
-      </p:sp>
-      <p:sp>
-        <p:nvSpPr>
-          <p:cNvPr id="262" name="Rectangle 261">
-            <a:extLst>
-              <a:ext uri="{FF2B5EF4-FFF2-40B4-BE49-F238E27FC236}">
-                <a16:creationId xmlns:a16="http://schemas.microsoft.com/office/drawing/2014/main" id="{24EB4181-E64A-4000-93D0-B9B7C089BCD0}"/>
-              </a:ext>
-            </a:extLst>
-          </p:cNvPr>
-          <p:cNvSpPr/>
-          <p:nvPr/>
-        </p:nvSpPr>
-        <p:spPr>
-          <a:xfrm>
-            <a:off x="436469" y="5027510"/>
+            <a:off x="196124" y="4819855"/>
             <a:ext cx="827690" cy="280566"/>
           </a:xfrm>
           <a:prstGeom prst="rect">
@@ -5965,7 +5757,7 @@
         </p:nvCxnSpPr>
         <p:spPr>
           <a:xfrm flipH="1">
-            <a:off x="1264159" y="5159722"/>
+            <a:off x="1023814" y="4952067"/>
             <a:ext cx="743338" cy="8071"/>
           </a:xfrm>
           <a:prstGeom prst="line">
@@ -6009,7 +5801,7 @@
         </p:nvSpPr>
         <p:spPr>
           <a:xfrm>
-            <a:off x="2245615" y="3408773"/>
+            <a:off x="2005270" y="3201118"/>
             <a:ext cx="313850" cy="437285"/>
           </a:xfrm>
           <a:prstGeom prst="downArrow">
@@ -6062,7 +5854,7 @@
         </p:nvSpPr>
         <p:spPr>
           <a:xfrm>
-            <a:off x="668274" y="2891723"/>
+            <a:off x="427929" y="2684068"/>
             <a:ext cx="342999" cy="699883"/>
           </a:xfrm>
           <a:prstGeom prst="downArrow">
@@ -6115,7 +5907,7 @@
         </p:nvSpPr>
         <p:spPr>
           <a:xfrm rot="5400000">
-            <a:off x="6073577" y="4724680"/>
+            <a:off x="5833232" y="4517025"/>
             <a:ext cx="251984" cy="230561"/>
           </a:xfrm>
           <a:prstGeom prst="rect">
@@ -6164,7 +5956,7 @@
         </p:nvSpPr>
         <p:spPr>
           <a:xfrm rot="5400000">
-            <a:off x="5775271" y="4017331"/>
+            <a:off x="5534926" y="3809676"/>
             <a:ext cx="261494" cy="566409"/>
           </a:xfrm>
           <a:prstGeom prst="downArrow">
@@ -6214,7 +6006,7 @@
         </p:nvSpPr>
         <p:spPr>
           <a:xfrm>
-            <a:off x="5991156" y="4152396"/>
+            <a:off x="5750811" y="3944741"/>
             <a:ext cx="566409" cy="280566"/>
           </a:xfrm>
           <a:prstGeom prst="rect">
@@ -6268,7 +6060,7 @@
         </p:nvSpPr>
         <p:spPr>
           <a:xfrm>
-            <a:off x="5444420" y="5855120"/>
+            <a:off x="5204075" y="5647465"/>
             <a:ext cx="338334" cy="233645"/>
           </a:xfrm>
           <a:prstGeom prst="rect">
@@ -6320,7 +6112,7 @@
         </p:nvSpPr>
         <p:spPr>
           <a:xfrm>
-            <a:off x="5469862" y="5628543"/>
+            <a:off x="5229517" y="5420888"/>
             <a:ext cx="281314" cy="274840"/>
           </a:xfrm>
           <a:prstGeom prst="rect">
@@ -6372,7 +6164,7 @@
         </p:nvSpPr>
         <p:spPr>
           <a:xfrm rot="10800000" flipH="1">
-            <a:off x="5262989" y="4357605"/>
+            <a:off x="5022644" y="4149950"/>
             <a:ext cx="430886" cy="536498"/>
           </a:xfrm>
           <a:prstGeom prst="bentArrow">
@@ -6431,7 +6223,7 @@
         </p:nvSpPr>
         <p:spPr>
           <a:xfrm rot="5400000">
-            <a:off x="9971971" y="4938034"/>
+            <a:off x="9731626" y="4730379"/>
             <a:ext cx="2146471" cy="286564"/>
           </a:xfrm>
           <a:prstGeom prst="trapezoid">
@@ -6492,7 +6284,7 @@
         </p:nvSpPr>
         <p:spPr>
           <a:xfrm rot="16200000">
-            <a:off x="7877435" y="4932084"/>
+            <a:off x="7637090" y="4724429"/>
             <a:ext cx="305254" cy="815195"/>
           </a:xfrm>
           <a:prstGeom prst="downArrow">
@@ -6551,7 +6343,7 @@
         </p:nvSpPr>
         <p:spPr>
           <a:xfrm>
-            <a:off x="7954934" y="5391424"/>
+            <a:off x="7714589" y="5183769"/>
             <a:ext cx="293977" cy="518210"/>
           </a:xfrm>
           <a:prstGeom prst="downArrow">
@@ -6610,7 +6402,7 @@
         </p:nvSpPr>
         <p:spPr>
           <a:xfrm>
-            <a:off x="8049761" y="3747852"/>
+            <a:off x="7809416" y="3540197"/>
             <a:ext cx="3349285" cy="205977"/>
           </a:xfrm>
           <a:prstGeom prst="rect">
@@ -6669,7 +6461,7 @@
         </p:nvSpPr>
         <p:spPr>
           <a:xfrm rot="10800000">
-            <a:off x="8283768" y="4482783"/>
+            <a:off x="8043423" y="4275128"/>
             <a:ext cx="894954" cy="911725"/>
           </a:xfrm>
           <a:prstGeom prst="downArrow">
@@ -6728,7 +6520,7 @@
         </p:nvSpPr>
         <p:spPr>
           <a:xfrm>
-            <a:off x="8413337" y="4721817"/>
+            <a:off x="8172992" y="4514162"/>
             <a:ext cx="666612" cy="415807"/>
           </a:xfrm>
           <a:prstGeom prst="rect">
@@ -6788,7 +6580,7 @@
         </p:nvSpPr>
         <p:spPr>
           <a:xfrm rot="5400000">
-            <a:off x="8225093" y="5711343"/>
+            <a:off x="7984748" y="5503688"/>
             <a:ext cx="986428" cy="208889"/>
           </a:xfrm>
           <a:prstGeom prst="rect">
@@ -6847,7 +6639,7 @@
         </p:nvSpPr>
         <p:spPr>
           <a:xfrm rot="10800000" flipH="1">
-            <a:off x="8613862" y="6137182"/>
+            <a:off x="8373517" y="5929527"/>
             <a:ext cx="1832101" cy="561688"/>
           </a:xfrm>
           <a:prstGeom prst="bentArrow">
@@ -6911,7 +6703,7 @@
         </p:nvSpPr>
         <p:spPr>
           <a:xfrm>
-            <a:off x="7340116" y="5213422"/>
+            <a:off x="7099771" y="5005767"/>
             <a:ext cx="630973" cy="252248"/>
           </a:xfrm>
           <a:prstGeom prst="rect">
@@ -6960,7 +6752,7 @@
         </p:nvSpPr>
         <p:spPr>
           <a:xfrm>
-            <a:off x="7772095" y="5748131"/>
+            <a:off x="7531750" y="5540476"/>
             <a:ext cx="217866" cy="137626"/>
           </a:xfrm>
           <a:prstGeom prst="rect">
@@ -7012,7 +6804,7 @@
         </p:nvSpPr>
         <p:spPr>
           <a:xfrm>
-            <a:off x="8939300" y="6386391"/>
+            <a:off x="8698955" y="6178736"/>
             <a:ext cx="712796" cy="269402"/>
           </a:xfrm>
           <a:prstGeom prst="rect">
@@ -7064,7 +6856,7 @@
         </p:nvSpPr>
         <p:spPr>
           <a:xfrm rot="5400000">
-            <a:off x="10011610" y="4926949"/>
+            <a:off x="9771265" y="4719294"/>
             <a:ext cx="2063429" cy="244423"/>
           </a:xfrm>
           <a:prstGeom prst="rect">
@@ -7116,7 +6908,7 @@
         </p:nvSpPr>
         <p:spPr>
           <a:xfrm rot="16200000">
-            <a:off x="10383135" y="5297595"/>
+            <a:off x="10142790" y="5089940"/>
             <a:ext cx="366682" cy="739887"/>
           </a:xfrm>
           <a:prstGeom prst="downArrow">
@@ -7175,7 +6967,7 @@
         </p:nvSpPr>
         <p:spPr>
           <a:xfrm rot="16200000">
-            <a:off x="9237655" y="4455930"/>
+            <a:off x="8997310" y="4248275"/>
             <a:ext cx="320824" cy="3080182"/>
           </a:xfrm>
           <a:prstGeom prst="downArrow">
@@ -7234,7 +7026,7 @@
         </p:nvSpPr>
         <p:spPr>
           <a:xfrm>
-            <a:off x="7762630" y="5886937"/>
+            <a:off x="7522285" y="5679282"/>
             <a:ext cx="630235" cy="257290"/>
           </a:xfrm>
           <a:prstGeom prst="rect">
@@ -7283,7 +7075,7 @@
         </p:nvSpPr>
         <p:spPr>
           <a:xfrm>
-            <a:off x="10166362" y="5533125"/>
+            <a:off x="9926017" y="5325470"/>
             <a:ext cx="676343" cy="269402"/>
           </a:xfrm>
           <a:prstGeom prst="rect">
@@ -7335,7 +7127,7 @@
         </p:nvSpPr>
         <p:spPr>
           <a:xfrm rot="10800000">
-            <a:off x="10936419" y="6094793"/>
+            <a:off x="10696074" y="5887138"/>
             <a:ext cx="217576" cy="364793"/>
           </a:xfrm>
           <a:prstGeom prst="downArrow">
@@ -7380,7 +7172,7 @@
         </p:nvSpPr>
         <p:spPr>
           <a:xfrm>
-            <a:off x="10445963" y="6424704"/>
+            <a:off x="10205618" y="6217049"/>
             <a:ext cx="1194721" cy="267195"/>
           </a:xfrm>
           <a:prstGeom prst="rect">
@@ -7429,7 +7221,7 @@
         </p:nvSpPr>
         <p:spPr>
           <a:xfrm>
-            <a:off x="9204619" y="5828444"/>
+            <a:off x="8964274" y="5620789"/>
             <a:ext cx="894955" cy="269402"/>
           </a:xfrm>
           <a:prstGeom prst="rect">
@@ -7481,7 +7273,7 @@
         </p:nvSpPr>
         <p:spPr>
           <a:xfrm>
-            <a:off x="7110212" y="3606689"/>
+            <a:off x="6869867" y="3399034"/>
             <a:ext cx="4736308" cy="3199978"/>
           </a:xfrm>
           <a:prstGeom prst="rect">
@@ -7536,7 +7328,7 @@
         </p:nvSpPr>
         <p:spPr>
           <a:xfrm>
-            <a:off x="6824774" y="3304167"/>
+            <a:off x="6584429" y="3096512"/>
             <a:ext cx="1077837" cy="405255"/>
           </a:xfrm>
           <a:prstGeom prst="rect">
@@ -7588,7 +7380,7 @@
         </p:nvSpPr>
         <p:spPr>
           <a:xfrm>
-            <a:off x="4437580" y="4165834"/>
+            <a:off x="4197235" y="3958179"/>
             <a:ext cx="676343" cy="269402"/>
           </a:xfrm>
           <a:prstGeom prst="rect">
@@ -7640,7 +7432,7 @@
         </p:nvSpPr>
         <p:spPr>
           <a:xfrm rot="5400000">
-            <a:off x="5095223" y="5230060"/>
+            <a:off x="4854878" y="5022405"/>
             <a:ext cx="1470282" cy="226474"/>
           </a:xfrm>
           <a:prstGeom prst="trapezoid">
@@ -7699,7 +7491,7 @@
         </p:nvSpPr>
         <p:spPr>
           <a:xfrm rot="16200000">
-            <a:off x="4649190" y="4241963"/>
+            <a:off x="4408845" y="4034308"/>
             <a:ext cx="316282" cy="1742662"/>
           </a:xfrm>
           <a:prstGeom prst="downArrow">
@@ -7749,7 +7541,7 @@
         </p:nvSpPr>
         <p:spPr>
           <a:xfrm>
-            <a:off x="4566741" y="4902459"/>
+            <a:off x="4326396" y="4694804"/>
             <a:ext cx="591876" cy="389630"/>
           </a:xfrm>
           <a:prstGeom prst="rect">
@@ -7798,7 +7590,7 @@
         </p:nvSpPr>
         <p:spPr>
           <a:xfrm rot="5400000">
-            <a:off x="3592791" y="4776191"/>
+            <a:off x="3352446" y="4568536"/>
             <a:ext cx="322021" cy="668466"/>
           </a:xfrm>
           <a:prstGeom prst="downArrow">
@@ -7848,7 +7640,7 @@
         </p:nvSpPr>
         <p:spPr>
           <a:xfrm rot="16200000">
-            <a:off x="2915798" y="5090864"/>
+            <a:off x="2675453" y="4883209"/>
             <a:ext cx="787806" cy="226474"/>
           </a:xfrm>
           <a:prstGeom prst="trapezoid">
@@ -7907,7 +7699,7 @@
         </p:nvSpPr>
         <p:spPr>
           <a:xfrm>
-            <a:off x="1448813" y="4894803"/>
+            <a:off x="1208468" y="4687148"/>
             <a:ext cx="475734" cy="405255"/>
           </a:xfrm>
           <a:prstGeom prst="rect">
@@ -7959,7 +7751,7 @@
         </p:nvSpPr>
         <p:spPr>
           <a:xfrm rot="5400000">
-            <a:off x="456252" y="3850465"/>
+            <a:off x="215907" y="3642810"/>
             <a:ext cx="787806" cy="226474"/>
           </a:xfrm>
           <a:prstGeom prst="trapezoid">
@@ -8018,7 +7810,7 @@
         </p:nvSpPr>
         <p:spPr>
           <a:xfrm rot="5400000">
-            <a:off x="2036167" y="4089782"/>
+            <a:off x="1795822" y="3882127"/>
             <a:ext cx="787806" cy="226474"/>
           </a:xfrm>
           <a:prstGeom prst="trapezoid">
@@ -8077,7 +7869,7 @@
         </p:nvSpPr>
         <p:spPr>
           <a:xfrm rot="5400000">
-            <a:off x="6073577" y="4974473"/>
+            <a:off x="5833232" y="4766818"/>
             <a:ext cx="251984" cy="230561"/>
           </a:xfrm>
           <a:prstGeom prst="rect">
@@ -8126,7 +7918,7 @@
         </p:nvSpPr>
         <p:spPr>
           <a:xfrm rot="5400000">
-            <a:off x="6073577" y="5224266"/>
+            <a:off x="5833232" y="5016611"/>
             <a:ext cx="251984" cy="230561"/>
           </a:xfrm>
           <a:prstGeom prst="rect">
@@ -8175,7 +7967,7 @@
         </p:nvSpPr>
         <p:spPr>
           <a:xfrm rot="5400000">
-            <a:off x="6073577" y="5474059"/>
+            <a:off x="5833232" y="5266404"/>
             <a:ext cx="251984" cy="230561"/>
           </a:xfrm>
           <a:prstGeom prst="rect">
@@ -8224,7 +8016,7 @@
         </p:nvSpPr>
         <p:spPr>
           <a:xfrm rot="5400000">
-            <a:off x="6073577" y="5723852"/>
+            <a:off x="5833232" y="5516197"/>
             <a:ext cx="251984" cy="230561"/>
           </a:xfrm>
           <a:prstGeom prst="rect">
@@ -8273,7 +8065,7 @@
         </p:nvSpPr>
         <p:spPr>
           <a:xfrm rot="5400000">
-            <a:off x="6245456" y="2132602"/>
+            <a:off x="6005111" y="1924947"/>
             <a:ext cx="95343" cy="45719"/>
           </a:xfrm>
           <a:prstGeom prst="triangle">
@@ -8334,7 +8126,7 @@
         </p:nvSpPr>
         <p:spPr>
           <a:xfrm rot="5400000">
-            <a:off x="7258107" y="2132601"/>
+            <a:off x="7017762" y="1924946"/>
             <a:ext cx="95343" cy="45719"/>
           </a:xfrm>
           <a:prstGeom prst="triangle">
@@ -8395,7 +8187,7 @@
         </p:nvSpPr>
         <p:spPr>
           <a:xfrm rot="5400000">
-            <a:off x="8274026" y="2134833"/>
+            <a:off x="8033681" y="1927178"/>
             <a:ext cx="95343" cy="45719"/>
           </a:xfrm>
           <a:prstGeom prst="triangle">
@@ -8456,7 +8248,7 @@
         </p:nvSpPr>
         <p:spPr>
           <a:xfrm rot="5400000">
-            <a:off x="9288311" y="2135791"/>
+            <a:off x="9047966" y="1928136"/>
             <a:ext cx="95343" cy="45719"/>
           </a:xfrm>
           <a:prstGeom prst="triangle">
@@ -8517,7 +8309,7 @@
         </p:nvSpPr>
         <p:spPr>
           <a:xfrm rot="5400000">
-            <a:off x="10302596" y="2137809"/>
+            <a:off x="10062251" y="1930154"/>
             <a:ext cx="95343" cy="45719"/>
           </a:xfrm>
           <a:prstGeom prst="triangle">
@@ -8566,10 +8358,10 @@
       </p:sp>
       <p:sp>
         <p:nvSpPr>
-          <p:cNvPr id="170" name="Arrow: Down 169">
-            <a:extLst>
-              <a:ext uri="{FF2B5EF4-FFF2-40B4-BE49-F238E27FC236}">
-                <a16:creationId xmlns:a16="http://schemas.microsoft.com/office/drawing/2014/main" id="{E2B625A4-0FC3-481D-81BC-3A8B9A7E9C3A}"/>
+          <p:cNvPr id="5" name="Rectangle 4">
+            <a:extLst>
+              <a:ext uri="{FF2B5EF4-FFF2-40B4-BE49-F238E27FC236}">
+                <a16:creationId xmlns:a16="http://schemas.microsoft.com/office/drawing/2014/main" id="{B87E0E35-DAA9-4A5A-A11F-A31BE5FE0E30}"/>
               </a:ext>
             </a:extLst>
           </p:cNvPr>
@@ -8578,11 +8370,455 @@
         </p:nvSpPr>
         <p:spPr>
           <a:xfrm>
-            <a:off x="7362673" y="2236515"/>
-            <a:ext cx="296092" cy="583638"/>
+            <a:off x="7995298" y="1798438"/>
+            <a:ext cx="827690" cy="280566"/>
+          </a:xfrm>
+          <a:prstGeom prst="rect">
+            <a:avLst/>
+          </a:prstGeom>
+          <a:ln w="3175"/>
+        </p:spPr>
+        <p:style>
+          <a:lnRef idx="2">
+            <a:schemeClr val="dk1"/>
+          </a:lnRef>
+          <a:fillRef idx="1">
+            <a:schemeClr val="lt1"/>
+          </a:fillRef>
+          <a:effectRef idx="0">
+            <a:schemeClr val="dk1"/>
+          </a:effectRef>
+          <a:fontRef idx="minor">
+            <a:schemeClr val="dk1"/>
+          </a:fontRef>
+        </p:style>
+        <p:txBody>
+          <a:bodyPr rtlCol="0" anchor="ctr"/>
+          <a:lstStyle/>
+          <a:p>
+            <a:pPr algn="ctr"/>
+            <a:r>
+              <a:rPr lang="en-GB" sz="1000" dirty="0"/>
+              <a:t>A</a:t>
+            </a:r>
+            <a:endParaRPr lang="en-US" sz="1000" dirty="0"/>
+          </a:p>
+        </p:txBody>
+      </p:sp>
+      <p:sp>
+        <p:nvSpPr>
+          <p:cNvPr id="43" name="Rectangle 42">
+            <a:extLst>
+              <a:ext uri="{FF2B5EF4-FFF2-40B4-BE49-F238E27FC236}">
+                <a16:creationId xmlns:a16="http://schemas.microsoft.com/office/drawing/2014/main" id="{6D4F4CC5-4E6E-408E-8D70-409F9D779A24}"/>
+              </a:ext>
+            </a:extLst>
+          </p:cNvPr>
+          <p:cNvSpPr/>
+          <p:nvPr/>
+        </p:nvSpPr>
+        <p:spPr>
+          <a:xfrm>
+            <a:off x="9041182" y="1798438"/>
+            <a:ext cx="827690" cy="280566"/>
+          </a:xfrm>
+          <a:prstGeom prst="rect">
+            <a:avLst/>
+          </a:prstGeom>
+          <a:ln w="3175"/>
+        </p:spPr>
+        <p:style>
+          <a:lnRef idx="2">
+            <a:schemeClr val="dk1"/>
+          </a:lnRef>
+          <a:fillRef idx="1">
+            <a:schemeClr val="lt1"/>
+          </a:fillRef>
+          <a:effectRef idx="0">
+            <a:schemeClr val="dk1"/>
+          </a:effectRef>
+          <a:fontRef idx="minor">
+            <a:schemeClr val="dk1"/>
+          </a:fontRef>
+        </p:style>
+        <p:txBody>
+          <a:bodyPr rtlCol="0" anchor="ctr"/>
+          <a:lstStyle/>
+          <a:p>
+            <a:pPr algn="ctr"/>
+            <a:r>
+              <a:rPr lang="en-GB" sz="1000" dirty="0"/>
+              <a:t>X</a:t>
+            </a:r>
+            <a:endParaRPr lang="en-US" sz="1000" dirty="0"/>
+          </a:p>
+        </p:txBody>
+      </p:sp>
+      <p:sp>
+        <p:nvSpPr>
+          <p:cNvPr id="44" name="Rectangle 43">
+            <a:extLst>
+              <a:ext uri="{FF2B5EF4-FFF2-40B4-BE49-F238E27FC236}">
+                <a16:creationId xmlns:a16="http://schemas.microsoft.com/office/drawing/2014/main" id="{70DD7834-F598-4F1C-A2FC-2611881769B0}"/>
+              </a:ext>
+            </a:extLst>
+          </p:cNvPr>
+          <p:cNvSpPr/>
+          <p:nvPr/>
+        </p:nvSpPr>
+        <p:spPr>
+          <a:xfrm>
+            <a:off x="10087064" y="1798438"/>
+            <a:ext cx="827690" cy="288899"/>
+          </a:xfrm>
+          <a:prstGeom prst="rect">
+            <a:avLst/>
+          </a:prstGeom>
+          <a:ln w="3175"/>
+        </p:spPr>
+        <p:style>
+          <a:lnRef idx="2">
+            <a:schemeClr val="dk1"/>
+          </a:lnRef>
+          <a:fillRef idx="1">
+            <a:schemeClr val="lt1"/>
+          </a:fillRef>
+          <a:effectRef idx="0">
+            <a:schemeClr val="dk1"/>
+          </a:effectRef>
+          <a:fontRef idx="minor">
+            <a:schemeClr val="dk1"/>
+          </a:fontRef>
+        </p:style>
+        <p:txBody>
+          <a:bodyPr rtlCol="0" anchor="ctr"/>
+          <a:lstStyle/>
+          <a:p>
+            <a:pPr algn="ctr"/>
+            <a:r>
+              <a:rPr lang="en-GB" sz="1000" dirty="0"/>
+              <a:t>Y</a:t>
+            </a:r>
+            <a:endParaRPr lang="en-US" sz="1000" dirty="0"/>
+          </a:p>
+        </p:txBody>
+      </p:sp>
+      <p:sp>
+        <p:nvSpPr>
+          <p:cNvPr id="234" name="Rectangle 233">
+            <a:extLst>
+              <a:ext uri="{FF2B5EF4-FFF2-40B4-BE49-F238E27FC236}">
+                <a16:creationId xmlns:a16="http://schemas.microsoft.com/office/drawing/2014/main" id="{54C9DDA2-0FA5-4A32-986A-D67CAB72D747}"/>
+              </a:ext>
+            </a:extLst>
+          </p:cNvPr>
+          <p:cNvSpPr/>
+          <p:nvPr/>
+        </p:nvSpPr>
+        <p:spPr>
+          <a:xfrm>
+            <a:off x="5903530" y="1798438"/>
+            <a:ext cx="827690" cy="280566"/>
+          </a:xfrm>
+          <a:prstGeom prst="rect">
+            <a:avLst/>
+          </a:prstGeom>
+          <a:ln w="3175"/>
+        </p:spPr>
+        <p:style>
+          <a:lnRef idx="2">
+            <a:schemeClr val="dk1"/>
+          </a:lnRef>
+          <a:fillRef idx="1">
+            <a:schemeClr val="lt1"/>
+          </a:fillRef>
+          <a:effectRef idx="0">
+            <a:schemeClr val="dk1"/>
+          </a:effectRef>
+          <a:fontRef idx="minor">
+            <a:schemeClr val="dk1"/>
+          </a:fontRef>
+        </p:style>
+        <p:txBody>
+          <a:bodyPr rtlCol="0" anchor="ctr"/>
+          <a:lstStyle/>
+          <a:p>
+            <a:pPr algn="ctr"/>
+            <a:r>
+              <a:rPr lang="en-GB" sz="1000" dirty="0"/>
+              <a:t>STASHL</a:t>
+            </a:r>
+            <a:endParaRPr lang="en-US" sz="1000" dirty="0"/>
+          </a:p>
+        </p:txBody>
+      </p:sp>
+      <p:sp>
+        <p:nvSpPr>
+          <p:cNvPr id="156" name="Rectangle 155">
+            <a:extLst>
+              <a:ext uri="{FF2B5EF4-FFF2-40B4-BE49-F238E27FC236}">
+                <a16:creationId xmlns:a16="http://schemas.microsoft.com/office/drawing/2014/main" id="{991F2330-6126-430F-ADDF-EECF868E3CA2}"/>
+              </a:ext>
+            </a:extLst>
+          </p:cNvPr>
+          <p:cNvSpPr/>
+          <p:nvPr/>
+        </p:nvSpPr>
+        <p:spPr>
+          <a:xfrm>
+            <a:off x="6949414" y="1798438"/>
+            <a:ext cx="827690" cy="280566"/>
+          </a:xfrm>
+          <a:prstGeom prst="rect">
+            <a:avLst/>
+          </a:prstGeom>
+          <a:ln w="3175"/>
+        </p:spPr>
+        <p:style>
+          <a:lnRef idx="2">
+            <a:schemeClr val="dk1"/>
+          </a:lnRef>
+          <a:fillRef idx="1">
+            <a:schemeClr val="lt1"/>
+          </a:fillRef>
+          <a:effectRef idx="0">
+            <a:schemeClr val="dk1"/>
+          </a:effectRef>
+          <a:fontRef idx="minor">
+            <a:schemeClr val="dk1"/>
+          </a:fontRef>
+        </p:style>
+        <p:txBody>
+          <a:bodyPr rtlCol="0" anchor="ctr"/>
+          <a:lstStyle/>
+          <a:p>
+            <a:pPr algn="ctr"/>
+            <a:r>
+              <a:rPr lang="en-GB" sz="1000" dirty="0"/>
+              <a:t>STASHH</a:t>
+            </a:r>
+            <a:endParaRPr lang="en-US" sz="1000" dirty="0"/>
+          </a:p>
+        </p:txBody>
+      </p:sp>
+      <p:sp>
+        <p:nvSpPr>
+          <p:cNvPr id="9" name="Rectangle 8">
+            <a:extLst>
+              <a:ext uri="{FF2B5EF4-FFF2-40B4-BE49-F238E27FC236}">
+                <a16:creationId xmlns:a16="http://schemas.microsoft.com/office/drawing/2014/main" id="{A2F9B9C3-65DC-445D-BB11-9BA115F9B13F}"/>
+              </a:ext>
+            </a:extLst>
+          </p:cNvPr>
+          <p:cNvSpPr/>
+          <p:nvPr/>
+        </p:nvSpPr>
+        <p:spPr>
+          <a:xfrm>
+            <a:off x="3811762" y="1798438"/>
+            <a:ext cx="827690" cy="283443"/>
+          </a:xfrm>
+          <a:prstGeom prst="rect">
+            <a:avLst/>
+          </a:prstGeom>
+          <a:ln w="3175"/>
+        </p:spPr>
+        <p:style>
+          <a:lnRef idx="2">
+            <a:schemeClr val="dk1"/>
+          </a:lnRef>
+          <a:fillRef idx="1">
+            <a:schemeClr val="lt1"/>
+          </a:fillRef>
+          <a:effectRef idx="0">
+            <a:schemeClr val="dk1"/>
+          </a:effectRef>
+          <a:fontRef idx="minor">
+            <a:schemeClr val="dk1"/>
+          </a:fontRef>
+        </p:style>
+        <p:txBody>
+          <a:bodyPr rtlCol="0" anchor="ctr"/>
+          <a:lstStyle/>
+          <a:p>
+            <a:pPr algn="ctr"/>
+            <a:r>
+              <a:rPr lang="en-GB" sz="1000" dirty="0"/>
+              <a:t>MBR</a:t>
+            </a:r>
+            <a:endParaRPr lang="en-US" sz="1000" dirty="0"/>
+          </a:p>
+        </p:txBody>
+      </p:sp>
+      <p:sp>
+        <p:nvSpPr>
+          <p:cNvPr id="182" name="Rectangle 181">
+            <a:extLst>
+              <a:ext uri="{FF2B5EF4-FFF2-40B4-BE49-F238E27FC236}">
+                <a16:creationId xmlns:a16="http://schemas.microsoft.com/office/drawing/2014/main" id="{7B93A697-322D-4E13-81FF-E8655F501826}"/>
+              </a:ext>
+            </a:extLst>
+          </p:cNvPr>
+          <p:cNvSpPr/>
+          <p:nvPr/>
+        </p:nvSpPr>
+        <p:spPr>
+          <a:xfrm>
+            <a:off x="584641" y="700864"/>
+            <a:ext cx="1491847" cy="212089"/>
+          </a:xfrm>
+          <a:prstGeom prst="rect">
+            <a:avLst/>
+          </a:prstGeom>
+          <a:ln w="3175"/>
+        </p:spPr>
+        <p:style>
+          <a:lnRef idx="2">
+            <a:schemeClr val="dk1"/>
+          </a:lnRef>
+          <a:fillRef idx="1">
+            <a:schemeClr val="lt1"/>
+          </a:fillRef>
+          <a:effectRef idx="0">
+            <a:schemeClr val="dk1"/>
+          </a:effectRef>
+          <a:fontRef idx="minor">
+            <a:schemeClr val="dk1"/>
+          </a:fontRef>
+        </p:style>
+        <p:txBody>
+          <a:bodyPr rtlCol="0" anchor="ctr"/>
+          <a:lstStyle/>
+          <a:p>
+            <a:pPr algn="ctr"/>
+            <a:r>
+              <a:rPr lang="en-GB" sz="1000" dirty="0"/>
+              <a:t>Address Decoding</a:t>
+            </a:r>
+            <a:endParaRPr lang="en-US" sz="1000" dirty="0"/>
+          </a:p>
+        </p:txBody>
+      </p:sp>
+      <p:sp>
+        <p:nvSpPr>
+          <p:cNvPr id="7" name="Rectangle 6">
+            <a:extLst>
+              <a:ext uri="{FF2B5EF4-FFF2-40B4-BE49-F238E27FC236}">
+                <a16:creationId xmlns:a16="http://schemas.microsoft.com/office/drawing/2014/main" id="{452B0238-14C2-484A-B305-5FB2EA5C0F7C}"/>
+              </a:ext>
+            </a:extLst>
+          </p:cNvPr>
+          <p:cNvSpPr/>
+          <p:nvPr/>
+        </p:nvSpPr>
+        <p:spPr>
+          <a:xfrm>
+            <a:off x="336839" y="1798438"/>
+            <a:ext cx="827690" cy="298750"/>
+          </a:xfrm>
+          <a:prstGeom prst="rect">
+            <a:avLst/>
+          </a:prstGeom>
+          <a:ln w="3175"/>
+        </p:spPr>
+        <p:style>
+          <a:lnRef idx="2">
+            <a:schemeClr val="dk1"/>
+          </a:lnRef>
+          <a:fillRef idx="1">
+            <a:schemeClr val="lt1"/>
+          </a:fillRef>
+          <a:effectRef idx="0">
+            <a:schemeClr val="dk1"/>
+          </a:effectRef>
+          <a:fontRef idx="minor">
+            <a:schemeClr val="dk1"/>
+          </a:fontRef>
+        </p:style>
+        <p:txBody>
+          <a:bodyPr rtlCol="0" anchor="ctr"/>
+          <a:lstStyle/>
+          <a:p>
+            <a:pPr algn="ctr"/>
+            <a:r>
+              <a:rPr lang="en-GB" sz="1000" dirty="0"/>
+              <a:t>MARL</a:t>
+            </a:r>
+            <a:endParaRPr lang="en-US" sz="1000" baseline="-25000" dirty="0"/>
+          </a:p>
+        </p:txBody>
+      </p:sp>
+      <p:sp>
+        <p:nvSpPr>
+          <p:cNvPr id="8" name="Rectangle 7">
+            <a:extLst>
+              <a:ext uri="{FF2B5EF4-FFF2-40B4-BE49-F238E27FC236}">
+                <a16:creationId xmlns:a16="http://schemas.microsoft.com/office/drawing/2014/main" id="{262E4F31-72CF-435A-BD6F-5323E8E64EF7}"/>
+              </a:ext>
+            </a:extLst>
+          </p:cNvPr>
+          <p:cNvSpPr/>
+          <p:nvPr/>
+        </p:nvSpPr>
+        <p:spPr>
+          <a:xfrm>
+            <a:off x="1382723" y="1798438"/>
+            <a:ext cx="827690" cy="294490"/>
+          </a:xfrm>
+          <a:prstGeom prst="rect">
+            <a:avLst/>
+          </a:prstGeom>
+          <a:ln w="3175"/>
+        </p:spPr>
+        <p:style>
+          <a:lnRef idx="2">
+            <a:schemeClr val="dk1"/>
+          </a:lnRef>
+          <a:fillRef idx="1">
+            <a:schemeClr val="lt1"/>
+          </a:fillRef>
+          <a:effectRef idx="0">
+            <a:schemeClr val="dk1"/>
+          </a:effectRef>
+          <a:fontRef idx="minor">
+            <a:schemeClr val="dk1"/>
+          </a:fontRef>
+        </p:style>
+        <p:txBody>
+          <a:bodyPr rtlCol="0" anchor="ctr"/>
+          <a:lstStyle/>
+          <a:p>
+            <a:pPr algn="ctr"/>
+            <a:r>
+              <a:rPr lang="en-GB" sz="1000" dirty="0"/>
+              <a:t>MARH</a:t>
+            </a:r>
+            <a:endParaRPr lang="en-US" sz="1000" baseline="-25000" dirty="0"/>
+          </a:p>
+        </p:txBody>
+      </p:sp>
+      <p:sp>
+        <p:nvSpPr>
+          <p:cNvPr id="190" name="Arrow: Down 189">
+            <a:extLst>
+              <a:ext uri="{FF2B5EF4-FFF2-40B4-BE49-F238E27FC236}">
+                <a16:creationId xmlns:a16="http://schemas.microsoft.com/office/drawing/2014/main" id="{2779CCFA-ECB9-4F11-9184-C9A6EF1F4060}"/>
+              </a:ext>
+            </a:extLst>
+          </p:cNvPr>
+          <p:cNvSpPr/>
+          <p:nvPr/>
+        </p:nvSpPr>
+        <p:spPr>
+          <a:xfrm rot="16200000">
+            <a:off x="4663959" y="4675450"/>
+            <a:ext cx="316282" cy="1256345"/>
           </a:xfrm>
           <a:prstGeom prst="downArrow">
-            <a:avLst/>
+            <a:avLst>
+              <a:gd name="adj1" fmla="val 56022"/>
+              <a:gd name="adj2" fmla="val 50000"/>
+            </a:avLst>
           </a:prstGeom>
           <a:solidFill>
             <a:srgbClr val="FFC000"/>
@@ -8616,950 +8852,6 @@
       </p:sp>
       <p:sp>
         <p:nvSpPr>
-          <p:cNvPr id="171" name="Arrow: Down 170">
-            <a:extLst>
-              <a:ext uri="{FF2B5EF4-FFF2-40B4-BE49-F238E27FC236}">
-                <a16:creationId xmlns:a16="http://schemas.microsoft.com/office/drawing/2014/main" id="{06F7FF8C-A872-42D5-B4F0-E6B7AEF68BBE}"/>
-              </a:ext>
-            </a:extLst>
-          </p:cNvPr>
-          <p:cNvSpPr/>
-          <p:nvPr/>
-        </p:nvSpPr>
-        <p:spPr>
-          <a:xfrm rot="10800000">
-            <a:off x="7708474" y="2303826"/>
-            <a:ext cx="296092" cy="630375"/>
-          </a:xfrm>
-          <a:prstGeom prst="downArrow">
-            <a:avLst/>
-          </a:prstGeom>
-          <a:solidFill>
-            <a:srgbClr val="FFC000"/>
-          </a:solidFill>
-          <a:ln w="3175">
-            <a:noFill/>
-          </a:ln>
-        </p:spPr>
-        <p:style>
-          <a:lnRef idx="2">
-            <a:schemeClr val="dk1"/>
-          </a:lnRef>
-          <a:fillRef idx="1">
-            <a:schemeClr val="lt1"/>
-          </a:fillRef>
-          <a:effectRef idx="0">
-            <a:schemeClr val="dk1"/>
-          </a:effectRef>
-          <a:fontRef idx="minor">
-            <a:schemeClr val="dk1"/>
-          </a:fontRef>
-        </p:style>
-        <p:txBody>
-          <a:bodyPr rtlCol="0" anchor="ctr"/>
-          <a:lstStyle/>
-          <a:p>
-            <a:pPr algn="ctr"/>
-            <a:endParaRPr lang="en-US" sz="1000"/>
-          </a:p>
-        </p:txBody>
-      </p:sp>
-      <p:sp>
-        <p:nvSpPr>
-          <p:cNvPr id="172" name="Arrow: Down 171">
-            <a:extLst>
-              <a:ext uri="{FF2B5EF4-FFF2-40B4-BE49-F238E27FC236}">
-                <a16:creationId xmlns:a16="http://schemas.microsoft.com/office/drawing/2014/main" id="{2ED528A1-E1F4-48D9-9004-9CB60CC77496}"/>
-              </a:ext>
-            </a:extLst>
-          </p:cNvPr>
-          <p:cNvSpPr/>
-          <p:nvPr/>
-        </p:nvSpPr>
-        <p:spPr>
-          <a:xfrm>
-            <a:off x="8402947" y="2236515"/>
-            <a:ext cx="296092" cy="583638"/>
-          </a:xfrm>
-          <a:prstGeom prst="downArrow">
-            <a:avLst/>
-          </a:prstGeom>
-          <a:solidFill>
-            <a:srgbClr val="FFC000"/>
-          </a:solidFill>
-          <a:ln w="3175">
-            <a:noFill/>
-          </a:ln>
-        </p:spPr>
-        <p:style>
-          <a:lnRef idx="2">
-            <a:schemeClr val="dk1"/>
-          </a:lnRef>
-          <a:fillRef idx="1">
-            <a:schemeClr val="lt1"/>
-          </a:fillRef>
-          <a:effectRef idx="0">
-            <a:schemeClr val="dk1"/>
-          </a:effectRef>
-          <a:fontRef idx="minor">
-            <a:schemeClr val="dk1"/>
-          </a:fontRef>
-        </p:style>
-        <p:txBody>
-          <a:bodyPr rtlCol="0" anchor="ctr"/>
-          <a:lstStyle/>
-          <a:p>
-            <a:pPr algn="ctr"/>
-            <a:endParaRPr lang="en-US" sz="1000"/>
-          </a:p>
-        </p:txBody>
-      </p:sp>
-      <p:sp>
-        <p:nvSpPr>
-          <p:cNvPr id="173" name="Arrow: Down 172">
-            <a:extLst>
-              <a:ext uri="{FF2B5EF4-FFF2-40B4-BE49-F238E27FC236}">
-                <a16:creationId xmlns:a16="http://schemas.microsoft.com/office/drawing/2014/main" id="{DEA01D24-9FE3-4DAB-AA4B-12151D99D7C5}"/>
-              </a:ext>
-            </a:extLst>
-          </p:cNvPr>
-          <p:cNvSpPr/>
-          <p:nvPr/>
-        </p:nvSpPr>
-        <p:spPr>
-          <a:xfrm rot="10800000">
-            <a:off x="8748748" y="2303826"/>
-            <a:ext cx="296092" cy="630375"/>
-          </a:xfrm>
-          <a:prstGeom prst="downArrow">
-            <a:avLst/>
-          </a:prstGeom>
-          <a:solidFill>
-            <a:srgbClr val="FFC000"/>
-          </a:solidFill>
-          <a:ln w="3175">
-            <a:noFill/>
-          </a:ln>
-        </p:spPr>
-        <p:style>
-          <a:lnRef idx="2">
-            <a:schemeClr val="dk1"/>
-          </a:lnRef>
-          <a:fillRef idx="1">
-            <a:schemeClr val="lt1"/>
-          </a:fillRef>
-          <a:effectRef idx="0">
-            <a:schemeClr val="dk1"/>
-          </a:effectRef>
-          <a:fontRef idx="minor">
-            <a:schemeClr val="dk1"/>
-          </a:fontRef>
-        </p:style>
-        <p:txBody>
-          <a:bodyPr rtlCol="0" anchor="ctr"/>
-          <a:lstStyle/>
-          <a:p>
-            <a:pPr algn="ctr"/>
-            <a:endParaRPr lang="en-US" sz="1000"/>
-          </a:p>
-        </p:txBody>
-      </p:sp>
-      <p:sp>
-        <p:nvSpPr>
-          <p:cNvPr id="174" name="Arrow: Down 173">
-            <a:extLst>
-              <a:ext uri="{FF2B5EF4-FFF2-40B4-BE49-F238E27FC236}">
-                <a16:creationId xmlns:a16="http://schemas.microsoft.com/office/drawing/2014/main" id="{67EBCD7C-A413-4C8A-8577-544FFA3575D7}"/>
-              </a:ext>
-            </a:extLst>
-          </p:cNvPr>
-          <p:cNvSpPr/>
-          <p:nvPr/>
-        </p:nvSpPr>
-        <p:spPr>
-          <a:xfrm>
-            <a:off x="9419139" y="2236515"/>
-            <a:ext cx="296092" cy="583638"/>
-          </a:xfrm>
-          <a:prstGeom prst="downArrow">
-            <a:avLst/>
-          </a:prstGeom>
-          <a:solidFill>
-            <a:srgbClr val="FFC000"/>
-          </a:solidFill>
-          <a:ln w="3175">
-            <a:noFill/>
-          </a:ln>
-        </p:spPr>
-        <p:style>
-          <a:lnRef idx="2">
-            <a:schemeClr val="dk1"/>
-          </a:lnRef>
-          <a:fillRef idx="1">
-            <a:schemeClr val="lt1"/>
-          </a:fillRef>
-          <a:effectRef idx="0">
-            <a:schemeClr val="dk1"/>
-          </a:effectRef>
-          <a:fontRef idx="minor">
-            <a:schemeClr val="dk1"/>
-          </a:fontRef>
-        </p:style>
-        <p:txBody>
-          <a:bodyPr rtlCol="0" anchor="ctr"/>
-          <a:lstStyle/>
-          <a:p>
-            <a:pPr algn="ctr"/>
-            <a:endParaRPr lang="en-US" sz="1000"/>
-          </a:p>
-        </p:txBody>
-      </p:sp>
-      <p:sp>
-        <p:nvSpPr>
-          <p:cNvPr id="175" name="Arrow: Down 174">
-            <a:extLst>
-              <a:ext uri="{FF2B5EF4-FFF2-40B4-BE49-F238E27FC236}">
-                <a16:creationId xmlns:a16="http://schemas.microsoft.com/office/drawing/2014/main" id="{2E67351A-CC64-4E23-BFF1-07C758796C29}"/>
-              </a:ext>
-            </a:extLst>
-          </p:cNvPr>
-          <p:cNvSpPr/>
-          <p:nvPr/>
-        </p:nvSpPr>
-        <p:spPr>
-          <a:xfrm rot="10800000">
-            <a:off x="9764940" y="2303826"/>
-            <a:ext cx="296092" cy="630375"/>
-          </a:xfrm>
-          <a:prstGeom prst="downArrow">
-            <a:avLst/>
-          </a:prstGeom>
-          <a:solidFill>
-            <a:srgbClr val="FFC000"/>
-          </a:solidFill>
-          <a:ln w="3175">
-            <a:noFill/>
-          </a:ln>
-        </p:spPr>
-        <p:style>
-          <a:lnRef idx="2">
-            <a:schemeClr val="dk1"/>
-          </a:lnRef>
-          <a:fillRef idx="1">
-            <a:schemeClr val="lt1"/>
-          </a:fillRef>
-          <a:effectRef idx="0">
-            <a:schemeClr val="dk1"/>
-          </a:effectRef>
-          <a:fontRef idx="minor">
-            <a:schemeClr val="dk1"/>
-          </a:fontRef>
-        </p:style>
-        <p:txBody>
-          <a:bodyPr rtlCol="0" anchor="ctr"/>
-          <a:lstStyle/>
-          <a:p>
-            <a:pPr algn="ctr"/>
-            <a:endParaRPr lang="en-US" sz="1000"/>
-          </a:p>
-        </p:txBody>
-      </p:sp>
-      <p:sp>
-        <p:nvSpPr>
-          <p:cNvPr id="176" name="Arrow: Down 175">
-            <a:extLst>
-              <a:ext uri="{FF2B5EF4-FFF2-40B4-BE49-F238E27FC236}">
-                <a16:creationId xmlns:a16="http://schemas.microsoft.com/office/drawing/2014/main" id="{F73F956C-3E39-46C2-BDF4-4890CDF1F1B8}"/>
-              </a:ext>
-            </a:extLst>
-          </p:cNvPr>
-          <p:cNvSpPr/>
-          <p:nvPr/>
-        </p:nvSpPr>
-        <p:spPr>
-          <a:xfrm>
-            <a:off x="10418615" y="2245742"/>
-            <a:ext cx="296092" cy="583638"/>
-          </a:xfrm>
-          <a:prstGeom prst="downArrow">
-            <a:avLst/>
-          </a:prstGeom>
-          <a:solidFill>
-            <a:srgbClr val="FFC000"/>
-          </a:solidFill>
-          <a:ln w="3175">
-            <a:noFill/>
-          </a:ln>
-        </p:spPr>
-        <p:style>
-          <a:lnRef idx="2">
-            <a:schemeClr val="dk1"/>
-          </a:lnRef>
-          <a:fillRef idx="1">
-            <a:schemeClr val="lt1"/>
-          </a:fillRef>
-          <a:effectRef idx="0">
-            <a:schemeClr val="dk1"/>
-          </a:effectRef>
-          <a:fontRef idx="minor">
-            <a:schemeClr val="dk1"/>
-          </a:fontRef>
-        </p:style>
-        <p:txBody>
-          <a:bodyPr rtlCol="0" anchor="ctr"/>
-          <a:lstStyle/>
-          <a:p>
-            <a:pPr algn="ctr"/>
-            <a:endParaRPr lang="en-US" sz="1000"/>
-          </a:p>
-        </p:txBody>
-      </p:sp>
-      <p:sp>
-        <p:nvSpPr>
-          <p:cNvPr id="177" name="Arrow: Down 176">
-            <a:extLst>
-              <a:ext uri="{FF2B5EF4-FFF2-40B4-BE49-F238E27FC236}">
-                <a16:creationId xmlns:a16="http://schemas.microsoft.com/office/drawing/2014/main" id="{BA657192-711C-425D-AA32-82704F1F70DC}"/>
-              </a:ext>
-            </a:extLst>
-          </p:cNvPr>
-          <p:cNvSpPr/>
-          <p:nvPr/>
-        </p:nvSpPr>
-        <p:spPr>
-          <a:xfrm rot="10800000">
-            <a:off x="10764416" y="2313053"/>
-            <a:ext cx="296092" cy="630375"/>
-          </a:xfrm>
-          <a:prstGeom prst="downArrow">
-            <a:avLst/>
-          </a:prstGeom>
-          <a:solidFill>
-            <a:srgbClr val="FFC000"/>
-          </a:solidFill>
-          <a:ln w="3175">
-            <a:noFill/>
-          </a:ln>
-        </p:spPr>
-        <p:style>
-          <a:lnRef idx="2">
-            <a:schemeClr val="dk1"/>
-          </a:lnRef>
-          <a:fillRef idx="1">
-            <a:schemeClr val="lt1"/>
-          </a:fillRef>
-          <a:effectRef idx="0">
-            <a:schemeClr val="dk1"/>
-          </a:effectRef>
-          <a:fontRef idx="minor">
-            <a:schemeClr val="dk1"/>
-          </a:fontRef>
-        </p:style>
-        <p:txBody>
-          <a:bodyPr rtlCol="0" anchor="ctr"/>
-          <a:lstStyle/>
-          <a:p>
-            <a:pPr algn="ctr"/>
-            <a:endParaRPr lang="en-US" sz="1000"/>
-          </a:p>
-        </p:txBody>
-      </p:sp>
-      <p:sp>
-        <p:nvSpPr>
-          <p:cNvPr id="5" name="Rectangle 4">
-            <a:extLst>
-              <a:ext uri="{FF2B5EF4-FFF2-40B4-BE49-F238E27FC236}">
-                <a16:creationId xmlns:a16="http://schemas.microsoft.com/office/drawing/2014/main" id="{B87E0E35-DAA9-4A5A-A11F-A31BE5FE0E30}"/>
-              </a:ext>
-            </a:extLst>
-          </p:cNvPr>
-          <p:cNvSpPr/>
-          <p:nvPr/>
-        </p:nvSpPr>
-        <p:spPr>
-          <a:xfrm>
-            <a:off x="8298838" y="2021449"/>
-            <a:ext cx="827690" cy="280566"/>
-          </a:xfrm>
-          <a:prstGeom prst="rect">
-            <a:avLst/>
-          </a:prstGeom>
-          <a:ln w="3175"/>
-        </p:spPr>
-        <p:style>
-          <a:lnRef idx="2">
-            <a:schemeClr val="dk1"/>
-          </a:lnRef>
-          <a:fillRef idx="1">
-            <a:schemeClr val="lt1"/>
-          </a:fillRef>
-          <a:effectRef idx="0">
-            <a:schemeClr val="dk1"/>
-          </a:effectRef>
-          <a:fontRef idx="minor">
-            <a:schemeClr val="dk1"/>
-          </a:fontRef>
-        </p:style>
-        <p:txBody>
-          <a:bodyPr rtlCol="0" anchor="ctr"/>
-          <a:lstStyle/>
-          <a:p>
-            <a:pPr algn="ctr"/>
-            <a:r>
-              <a:rPr lang="en-GB" sz="1000" dirty="0"/>
-              <a:t>A</a:t>
-            </a:r>
-            <a:endParaRPr lang="en-US" sz="1000" dirty="0"/>
-          </a:p>
-        </p:txBody>
-      </p:sp>
-      <p:sp>
-        <p:nvSpPr>
-          <p:cNvPr id="43" name="Rectangle 42">
-            <a:extLst>
-              <a:ext uri="{FF2B5EF4-FFF2-40B4-BE49-F238E27FC236}">
-                <a16:creationId xmlns:a16="http://schemas.microsoft.com/office/drawing/2014/main" id="{6D4F4CC5-4E6E-408E-8D70-409F9D779A24}"/>
-              </a:ext>
-            </a:extLst>
-          </p:cNvPr>
-          <p:cNvSpPr/>
-          <p:nvPr/>
-        </p:nvSpPr>
-        <p:spPr>
-          <a:xfrm>
-            <a:off x="9313123" y="2021449"/>
-            <a:ext cx="827690" cy="280566"/>
-          </a:xfrm>
-          <a:prstGeom prst="rect">
-            <a:avLst/>
-          </a:prstGeom>
-          <a:ln w="3175"/>
-        </p:spPr>
-        <p:style>
-          <a:lnRef idx="2">
-            <a:schemeClr val="dk1"/>
-          </a:lnRef>
-          <a:fillRef idx="1">
-            <a:schemeClr val="lt1"/>
-          </a:fillRef>
-          <a:effectRef idx="0">
-            <a:schemeClr val="dk1"/>
-          </a:effectRef>
-          <a:fontRef idx="minor">
-            <a:schemeClr val="dk1"/>
-          </a:fontRef>
-        </p:style>
-        <p:txBody>
-          <a:bodyPr rtlCol="0" anchor="ctr"/>
-          <a:lstStyle/>
-          <a:p>
-            <a:pPr algn="ctr"/>
-            <a:r>
-              <a:rPr lang="en-GB" sz="1000" dirty="0"/>
-              <a:t>X</a:t>
-            </a:r>
-            <a:endParaRPr lang="en-US" sz="1000" dirty="0"/>
-          </a:p>
-        </p:txBody>
-      </p:sp>
-      <p:sp>
-        <p:nvSpPr>
-          <p:cNvPr id="44" name="Rectangle 43">
-            <a:extLst>
-              <a:ext uri="{FF2B5EF4-FFF2-40B4-BE49-F238E27FC236}">
-                <a16:creationId xmlns:a16="http://schemas.microsoft.com/office/drawing/2014/main" id="{70DD7834-F598-4F1C-A2FC-2611881769B0}"/>
-              </a:ext>
-            </a:extLst>
-          </p:cNvPr>
-          <p:cNvSpPr/>
-          <p:nvPr/>
-        </p:nvSpPr>
-        <p:spPr>
-          <a:xfrm>
-            <a:off x="10327409" y="2021449"/>
-            <a:ext cx="827690" cy="288899"/>
-          </a:xfrm>
-          <a:prstGeom prst="rect">
-            <a:avLst/>
-          </a:prstGeom>
-          <a:ln w="3175"/>
-        </p:spPr>
-        <p:style>
-          <a:lnRef idx="2">
-            <a:schemeClr val="dk1"/>
-          </a:lnRef>
-          <a:fillRef idx="1">
-            <a:schemeClr val="lt1"/>
-          </a:fillRef>
-          <a:effectRef idx="0">
-            <a:schemeClr val="dk1"/>
-          </a:effectRef>
-          <a:fontRef idx="minor">
-            <a:schemeClr val="dk1"/>
-          </a:fontRef>
-        </p:style>
-        <p:txBody>
-          <a:bodyPr rtlCol="0" anchor="ctr"/>
-          <a:lstStyle/>
-          <a:p>
-            <a:pPr algn="ctr"/>
-            <a:r>
-              <a:rPr lang="en-GB" sz="1000" dirty="0"/>
-              <a:t>Y</a:t>
-            </a:r>
-            <a:endParaRPr lang="en-US" sz="1000" dirty="0"/>
-          </a:p>
-        </p:txBody>
-      </p:sp>
-      <p:sp>
-        <p:nvSpPr>
-          <p:cNvPr id="234" name="Rectangle 233">
-            <a:extLst>
-              <a:ext uri="{FF2B5EF4-FFF2-40B4-BE49-F238E27FC236}">
-                <a16:creationId xmlns:a16="http://schemas.microsoft.com/office/drawing/2014/main" id="{54C9DDA2-0FA5-4A32-986A-D67CAB72D747}"/>
-              </a:ext>
-            </a:extLst>
-          </p:cNvPr>
-          <p:cNvSpPr/>
-          <p:nvPr/>
-        </p:nvSpPr>
-        <p:spPr>
-          <a:xfrm>
-            <a:off x="6270268" y="2021449"/>
-            <a:ext cx="827690" cy="280566"/>
-          </a:xfrm>
-          <a:prstGeom prst="rect">
-            <a:avLst/>
-          </a:prstGeom>
-          <a:ln w="3175"/>
-        </p:spPr>
-        <p:style>
-          <a:lnRef idx="2">
-            <a:schemeClr val="dk1"/>
-          </a:lnRef>
-          <a:fillRef idx="1">
-            <a:schemeClr val="lt1"/>
-          </a:fillRef>
-          <a:effectRef idx="0">
-            <a:schemeClr val="dk1"/>
-          </a:effectRef>
-          <a:fontRef idx="minor">
-            <a:schemeClr val="dk1"/>
-          </a:fontRef>
-        </p:style>
-        <p:txBody>
-          <a:bodyPr rtlCol="0" anchor="ctr"/>
-          <a:lstStyle/>
-          <a:p>
-            <a:pPr algn="ctr"/>
-            <a:r>
-              <a:rPr lang="en-GB" sz="1000" dirty="0"/>
-              <a:t>STASHL</a:t>
-            </a:r>
-            <a:endParaRPr lang="en-US" sz="1000" dirty="0"/>
-          </a:p>
-        </p:txBody>
-      </p:sp>
-      <p:sp>
-        <p:nvSpPr>
-          <p:cNvPr id="156" name="Rectangle 155">
-            <a:extLst>
-              <a:ext uri="{FF2B5EF4-FFF2-40B4-BE49-F238E27FC236}">
-                <a16:creationId xmlns:a16="http://schemas.microsoft.com/office/drawing/2014/main" id="{991F2330-6126-430F-ADDF-EECF868E3CA2}"/>
-              </a:ext>
-            </a:extLst>
-          </p:cNvPr>
-          <p:cNvSpPr/>
-          <p:nvPr/>
-        </p:nvSpPr>
-        <p:spPr>
-          <a:xfrm>
-            <a:off x="7284553" y="2021449"/>
-            <a:ext cx="827690" cy="280566"/>
-          </a:xfrm>
-          <a:prstGeom prst="rect">
-            <a:avLst/>
-          </a:prstGeom>
-          <a:ln w="3175"/>
-        </p:spPr>
-        <p:style>
-          <a:lnRef idx="2">
-            <a:schemeClr val="dk1"/>
-          </a:lnRef>
-          <a:fillRef idx="1">
-            <a:schemeClr val="lt1"/>
-          </a:fillRef>
-          <a:effectRef idx="0">
-            <a:schemeClr val="dk1"/>
-          </a:effectRef>
-          <a:fontRef idx="minor">
-            <a:schemeClr val="dk1"/>
-          </a:fontRef>
-        </p:style>
-        <p:txBody>
-          <a:bodyPr rtlCol="0" anchor="ctr"/>
-          <a:lstStyle/>
-          <a:p>
-            <a:pPr algn="ctr"/>
-            <a:r>
-              <a:rPr lang="en-GB" sz="1000" dirty="0"/>
-              <a:t>STASHH</a:t>
-            </a:r>
-            <a:endParaRPr lang="en-US" sz="1000" dirty="0"/>
-          </a:p>
-        </p:txBody>
-      </p:sp>
-      <p:sp>
-        <p:nvSpPr>
-          <p:cNvPr id="178" name="Arrow: Down 177">
-            <a:extLst>
-              <a:ext uri="{FF2B5EF4-FFF2-40B4-BE49-F238E27FC236}">
-                <a16:creationId xmlns:a16="http://schemas.microsoft.com/office/drawing/2014/main" id="{62E1B87A-AE49-449D-96B9-695B59EC1286}"/>
-              </a:ext>
-            </a:extLst>
-          </p:cNvPr>
-          <p:cNvSpPr/>
-          <p:nvPr/>
-        </p:nvSpPr>
-        <p:spPr>
-          <a:xfrm>
-            <a:off x="3965653" y="2243709"/>
-            <a:ext cx="296092" cy="583638"/>
-          </a:xfrm>
-          <a:prstGeom prst="downArrow">
-            <a:avLst/>
-          </a:prstGeom>
-          <a:solidFill>
-            <a:srgbClr val="FFC000"/>
-          </a:solidFill>
-          <a:ln w="3175">
-            <a:noFill/>
-          </a:ln>
-        </p:spPr>
-        <p:style>
-          <a:lnRef idx="2">
-            <a:schemeClr val="dk1"/>
-          </a:lnRef>
-          <a:fillRef idx="1">
-            <a:schemeClr val="lt1"/>
-          </a:fillRef>
-          <a:effectRef idx="0">
-            <a:schemeClr val="dk1"/>
-          </a:effectRef>
-          <a:fontRef idx="minor">
-            <a:schemeClr val="dk1"/>
-          </a:fontRef>
-        </p:style>
-        <p:txBody>
-          <a:bodyPr rtlCol="0" anchor="ctr"/>
-          <a:lstStyle/>
-          <a:p>
-            <a:pPr algn="ctr"/>
-            <a:endParaRPr lang="en-US" sz="1000"/>
-          </a:p>
-        </p:txBody>
-      </p:sp>
-      <p:sp>
-        <p:nvSpPr>
-          <p:cNvPr id="179" name="Arrow: Down 178">
-            <a:extLst>
-              <a:ext uri="{FF2B5EF4-FFF2-40B4-BE49-F238E27FC236}">
-                <a16:creationId xmlns:a16="http://schemas.microsoft.com/office/drawing/2014/main" id="{A8AC37EB-A911-440E-8782-8137F2B77AE2}"/>
-              </a:ext>
-            </a:extLst>
-          </p:cNvPr>
-          <p:cNvSpPr/>
-          <p:nvPr/>
-        </p:nvSpPr>
-        <p:spPr>
-          <a:xfrm rot="10800000">
-            <a:off x="4311454" y="2311020"/>
-            <a:ext cx="296092" cy="630375"/>
-          </a:xfrm>
-          <a:prstGeom prst="downArrow">
-            <a:avLst/>
-          </a:prstGeom>
-          <a:solidFill>
-            <a:srgbClr val="FFC000"/>
-          </a:solidFill>
-          <a:ln w="3175">
-            <a:noFill/>
-          </a:ln>
-        </p:spPr>
-        <p:style>
-          <a:lnRef idx="2">
-            <a:schemeClr val="dk1"/>
-          </a:lnRef>
-          <a:fillRef idx="1">
-            <a:schemeClr val="lt1"/>
-          </a:fillRef>
-          <a:effectRef idx="0">
-            <a:schemeClr val="dk1"/>
-          </a:effectRef>
-          <a:fontRef idx="minor">
-            <a:schemeClr val="dk1"/>
-          </a:fontRef>
-        </p:style>
-        <p:txBody>
-          <a:bodyPr rtlCol="0" anchor="ctr"/>
-          <a:lstStyle/>
-          <a:p>
-            <a:pPr algn="ctr"/>
-            <a:endParaRPr lang="en-US" sz="1000"/>
-          </a:p>
-        </p:txBody>
-      </p:sp>
-      <p:sp>
-        <p:nvSpPr>
-          <p:cNvPr id="9" name="Rectangle 8">
-            <a:extLst>
-              <a:ext uri="{FF2B5EF4-FFF2-40B4-BE49-F238E27FC236}">
-                <a16:creationId xmlns:a16="http://schemas.microsoft.com/office/drawing/2014/main" id="{A2F9B9C3-65DC-445D-BB11-9BA115F9B13F}"/>
-              </a:ext>
-            </a:extLst>
-          </p:cNvPr>
-          <p:cNvSpPr/>
-          <p:nvPr/>
-        </p:nvSpPr>
-        <p:spPr>
-          <a:xfrm>
-            <a:off x="3867325" y="2018572"/>
-            <a:ext cx="827690" cy="283443"/>
-          </a:xfrm>
-          <a:prstGeom prst="rect">
-            <a:avLst/>
-          </a:prstGeom>
-          <a:ln w="3175"/>
-        </p:spPr>
-        <p:style>
-          <a:lnRef idx="2">
-            <a:schemeClr val="dk1"/>
-          </a:lnRef>
-          <a:fillRef idx="1">
-            <a:schemeClr val="lt1"/>
-          </a:fillRef>
-          <a:effectRef idx="0">
-            <a:schemeClr val="dk1"/>
-          </a:effectRef>
-          <a:fontRef idx="minor">
-            <a:schemeClr val="dk1"/>
-          </a:fontRef>
-        </p:style>
-        <p:txBody>
-          <a:bodyPr rtlCol="0" anchor="ctr"/>
-          <a:lstStyle/>
-          <a:p>
-            <a:pPr algn="ctr"/>
-            <a:r>
-              <a:rPr lang="en-GB" sz="1000" dirty="0"/>
-              <a:t>MBR</a:t>
-            </a:r>
-            <a:endParaRPr lang="en-US" sz="1000" dirty="0"/>
-          </a:p>
-        </p:txBody>
-      </p:sp>
-      <p:sp>
-        <p:nvSpPr>
-          <p:cNvPr id="182" name="Rectangle 181">
-            <a:extLst>
-              <a:ext uri="{FF2B5EF4-FFF2-40B4-BE49-F238E27FC236}">
-                <a16:creationId xmlns:a16="http://schemas.microsoft.com/office/drawing/2014/main" id="{7B93A697-322D-4E13-81FF-E8655F501826}"/>
-              </a:ext>
-            </a:extLst>
-          </p:cNvPr>
-          <p:cNvSpPr/>
-          <p:nvPr/>
-        </p:nvSpPr>
-        <p:spPr>
-          <a:xfrm>
-            <a:off x="1644241" y="898815"/>
-            <a:ext cx="1491847" cy="212089"/>
-          </a:xfrm>
-          <a:prstGeom prst="rect">
-            <a:avLst/>
-          </a:prstGeom>
-          <a:ln w="3175"/>
-        </p:spPr>
-        <p:style>
-          <a:lnRef idx="2">
-            <a:schemeClr val="dk1"/>
-          </a:lnRef>
-          <a:fillRef idx="1">
-            <a:schemeClr val="lt1"/>
-          </a:fillRef>
-          <a:effectRef idx="0">
-            <a:schemeClr val="dk1"/>
-          </a:effectRef>
-          <a:fontRef idx="minor">
-            <a:schemeClr val="dk1"/>
-          </a:fontRef>
-        </p:style>
-        <p:txBody>
-          <a:bodyPr rtlCol="0" anchor="ctr"/>
-          <a:lstStyle/>
-          <a:p>
-            <a:pPr algn="ctr"/>
-            <a:r>
-              <a:rPr lang="en-GB" sz="1000" dirty="0"/>
-              <a:t>Address Decoding</a:t>
-            </a:r>
-            <a:endParaRPr lang="en-US" sz="1000" dirty="0"/>
-          </a:p>
-        </p:txBody>
-      </p:sp>
-      <p:sp>
-        <p:nvSpPr>
-          <p:cNvPr id="7" name="Rectangle 6">
-            <a:extLst>
-              <a:ext uri="{FF2B5EF4-FFF2-40B4-BE49-F238E27FC236}">
-                <a16:creationId xmlns:a16="http://schemas.microsoft.com/office/drawing/2014/main" id="{452B0238-14C2-484A-B305-5FB2EA5C0F7C}"/>
-              </a:ext>
-            </a:extLst>
-          </p:cNvPr>
-          <p:cNvSpPr/>
-          <p:nvPr/>
-        </p:nvSpPr>
-        <p:spPr>
-          <a:xfrm>
-            <a:off x="1240595" y="2011598"/>
-            <a:ext cx="827690" cy="298750"/>
-          </a:xfrm>
-          <a:prstGeom prst="rect">
-            <a:avLst/>
-          </a:prstGeom>
-          <a:ln w="3175"/>
-        </p:spPr>
-        <p:style>
-          <a:lnRef idx="2">
-            <a:schemeClr val="dk1"/>
-          </a:lnRef>
-          <a:fillRef idx="1">
-            <a:schemeClr val="lt1"/>
-          </a:fillRef>
-          <a:effectRef idx="0">
-            <a:schemeClr val="dk1"/>
-          </a:effectRef>
-          <a:fontRef idx="minor">
-            <a:schemeClr val="dk1"/>
-          </a:fontRef>
-        </p:style>
-        <p:txBody>
-          <a:bodyPr rtlCol="0" anchor="ctr"/>
-          <a:lstStyle/>
-          <a:p>
-            <a:pPr algn="ctr"/>
-            <a:r>
-              <a:rPr lang="en-GB" sz="1000" dirty="0"/>
-              <a:t>MARL</a:t>
-            </a:r>
-            <a:endParaRPr lang="en-US" sz="1000" baseline="-25000" dirty="0"/>
-          </a:p>
-        </p:txBody>
-      </p:sp>
-      <p:sp>
-        <p:nvSpPr>
-          <p:cNvPr id="8" name="Rectangle 7">
-            <a:extLst>
-              <a:ext uri="{FF2B5EF4-FFF2-40B4-BE49-F238E27FC236}">
-                <a16:creationId xmlns:a16="http://schemas.microsoft.com/office/drawing/2014/main" id="{262E4F31-72CF-435A-BD6F-5323E8E64EF7}"/>
-              </a:ext>
-            </a:extLst>
-          </p:cNvPr>
-          <p:cNvSpPr/>
-          <p:nvPr/>
-        </p:nvSpPr>
-        <p:spPr>
-          <a:xfrm>
-            <a:off x="2545327" y="2015858"/>
-            <a:ext cx="827690" cy="294490"/>
-          </a:xfrm>
-          <a:prstGeom prst="rect">
-            <a:avLst/>
-          </a:prstGeom>
-          <a:ln w="3175"/>
-        </p:spPr>
-        <p:style>
-          <a:lnRef idx="2">
-            <a:schemeClr val="dk1"/>
-          </a:lnRef>
-          <a:fillRef idx="1">
-            <a:schemeClr val="lt1"/>
-          </a:fillRef>
-          <a:effectRef idx="0">
-            <a:schemeClr val="dk1"/>
-          </a:effectRef>
-          <a:fontRef idx="minor">
-            <a:schemeClr val="dk1"/>
-          </a:fontRef>
-        </p:style>
-        <p:txBody>
-          <a:bodyPr rtlCol="0" anchor="ctr"/>
-          <a:lstStyle/>
-          <a:p>
-            <a:pPr algn="ctr"/>
-            <a:r>
-              <a:rPr lang="en-GB" sz="1000" dirty="0"/>
-              <a:t>MARH</a:t>
-            </a:r>
-            <a:endParaRPr lang="en-US" sz="1000" baseline="-25000" dirty="0"/>
-          </a:p>
-        </p:txBody>
-      </p:sp>
-      <p:sp>
-        <p:nvSpPr>
-          <p:cNvPr id="190" name="Arrow: Down 189">
-            <a:extLst>
-              <a:ext uri="{FF2B5EF4-FFF2-40B4-BE49-F238E27FC236}">
-                <a16:creationId xmlns:a16="http://schemas.microsoft.com/office/drawing/2014/main" id="{2779CCFA-ECB9-4F11-9184-C9A6EF1F4060}"/>
-              </a:ext>
-            </a:extLst>
-          </p:cNvPr>
-          <p:cNvSpPr/>
-          <p:nvPr/>
-        </p:nvSpPr>
-        <p:spPr>
-          <a:xfrm rot="16200000">
-            <a:off x="4904304" y="4883105"/>
-            <a:ext cx="316282" cy="1256345"/>
-          </a:xfrm>
-          <a:prstGeom prst="downArrow">
-            <a:avLst>
-              <a:gd name="adj1" fmla="val 56022"/>
-              <a:gd name="adj2" fmla="val 50000"/>
-            </a:avLst>
-          </a:prstGeom>
-          <a:solidFill>
-            <a:srgbClr val="FFC000"/>
-          </a:solidFill>
-          <a:ln w="3175">
-            <a:noFill/>
-          </a:ln>
-        </p:spPr>
-        <p:style>
-          <a:lnRef idx="2">
-            <a:schemeClr val="dk1"/>
-          </a:lnRef>
-          <a:fillRef idx="1">
-            <a:schemeClr val="lt1"/>
-          </a:fillRef>
-          <a:effectRef idx="0">
-            <a:schemeClr val="dk1"/>
-          </a:effectRef>
-          <a:fontRef idx="minor">
-            <a:schemeClr val="dk1"/>
-          </a:fontRef>
-        </p:style>
-        <p:txBody>
-          <a:bodyPr rtlCol="0" anchor="ctr"/>
-          <a:lstStyle/>
-          <a:p>
-            <a:pPr algn="ctr"/>
-            <a:endParaRPr lang="en-US" sz="1000"/>
-          </a:p>
-        </p:txBody>
-      </p:sp>
-      <p:sp>
-        <p:nvSpPr>
           <p:cNvPr id="191" name="Arrow: Bent 190">
             <a:extLst>
               <a:ext uri="{FF2B5EF4-FFF2-40B4-BE49-F238E27FC236}">
@@ -9572,7 +8864,7 @@
         </p:nvSpPr>
         <p:spPr>
           <a:xfrm rot="10800000" flipH="1">
-            <a:off x="4062991" y="5077165"/>
+            <a:off x="3822646" y="4869510"/>
             <a:ext cx="701351" cy="576385"/>
           </a:xfrm>
           <a:prstGeom prst="bentArrow">
@@ -9631,7 +8923,7 @@
         </p:nvSpPr>
         <p:spPr>
           <a:xfrm rot="10800000" flipH="1">
-            <a:off x="9834703" y="3486135"/>
+            <a:off x="9594358" y="3278480"/>
             <a:ext cx="1059994" cy="1244587"/>
           </a:xfrm>
           <a:prstGeom prst="bentArrow">
@@ -9695,7 +8987,7 @@
         </p:nvSpPr>
         <p:spPr>
           <a:xfrm rot="10800000" flipH="1">
-            <a:off x="9493965" y="3464427"/>
+            <a:off x="9253620" y="3256772"/>
             <a:ext cx="1413497" cy="1639826"/>
           </a:xfrm>
           <a:prstGeom prst="bentArrow">
@@ -9759,7 +9051,7 @@
         </p:nvSpPr>
         <p:spPr>
           <a:xfrm rot="16200000">
-            <a:off x="9556452" y="4144919"/>
+            <a:off x="9316107" y="3937264"/>
             <a:ext cx="337827" cy="2372308"/>
           </a:xfrm>
           <a:prstGeom prst="downArrow">
@@ -9818,7 +9110,7 @@
         </p:nvSpPr>
         <p:spPr>
           <a:xfrm>
-            <a:off x="8423170" y="5195348"/>
+            <a:off x="8182825" y="4987693"/>
             <a:ext cx="622983" cy="252248"/>
           </a:xfrm>
           <a:prstGeom prst="rect">
@@ -9867,7 +9159,7 @@
         </p:nvSpPr>
         <p:spPr>
           <a:xfrm>
-            <a:off x="9365545" y="5248310"/>
+            <a:off x="9125200" y="5040655"/>
             <a:ext cx="894955" cy="164314"/>
           </a:xfrm>
           <a:prstGeom prst="rect">
@@ -9919,7 +9211,7 @@
         </p:nvSpPr>
         <p:spPr>
           <a:xfrm rot="16200000">
-            <a:off x="10420125" y="3855094"/>
+            <a:off x="10179780" y="3647439"/>
             <a:ext cx="288126" cy="675277"/>
           </a:xfrm>
           <a:prstGeom prst="downArrow">
@@ -9978,7 +9270,7 @@
         </p:nvSpPr>
         <p:spPr>
           <a:xfrm>
-            <a:off x="10169863" y="4041163"/>
+            <a:off x="9929518" y="3833508"/>
             <a:ext cx="676343" cy="269402"/>
           </a:xfrm>
           <a:prstGeom prst="rect">
@@ -10030,7 +9322,7 @@
         </p:nvSpPr>
         <p:spPr>
           <a:xfrm rot="16200000" flipH="1">
-            <a:off x="7134820" y="4069837"/>
+            <a:off x="6894475" y="3862182"/>
             <a:ext cx="1464522" cy="820552"/>
           </a:xfrm>
           <a:prstGeom prst="bentArrow">
@@ -10094,7 +9386,7 @@
         </p:nvSpPr>
         <p:spPr>
           <a:xfrm rot="5400000" flipH="1">
-            <a:off x="11099496" y="4572215"/>
+            <a:off x="10859151" y="4364560"/>
             <a:ext cx="701351" cy="540363"/>
           </a:xfrm>
           <a:prstGeom prst="bentArrow">
@@ -10158,7 +9450,7 @@
         </p:nvSpPr>
         <p:spPr>
           <a:xfrm flipH="1">
-            <a:off x="11023559" y="3707663"/>
+            <a:off x="10783214" y="3500008"/>
             <a:ext cx="664922" cy="797630"/>
           </a:xfrm>
           <a:prstGeom prst="bentArrow">
@@ -10222,7 +9514,7 @@
         </p:nvSpPr>
         <p:spPr>
           <a:xfrm rot="5400000">
-            <a:off x="9603558" y="4086161"/>
+            <a:off x="9363213" y="3878506"/>
             <a:ext cx="684278" cy="252248"/>
           </a:xfrm>
           <a:prstGeom prst="rect">
@@ -10274,7 +9566,7 @@
         </p:nvSpPr>
         <p:spPr>
           <a:xfrm rot="5400000">
-            <a:off x="9220942" y="4103493"/>
+            <a:off x="8980597" y="3895838"/>
             <a:ext cx="736579" cy="252248"/>
           </a:xfrm>
           <a:prstGeom prst="rect">
@@ -10326,7 +9618,7 @@
         </p:nvSpPr>
         <p:spPr>
           <a:xfrm>
-            <a:off x="8604525" y="3220245"/>
+            <a:off x="8364180" y="3012590"/>
             <a:ext cx="3069668" cy="280496"/>
           </a:xfrm>
           <a:prstGeom prst="rect">
@@ -10363,6 +9655,490 @@
       </p:sp>
       <p:sp>
         <p:nvSpPr>
+          <p:cNvPr id="10" name="Arrow: Up-Down 9">
+            <a:extLst>
+              <a:ext uri="{FF2B5EF4-FFF2-40B4-BE49-F238E27FC236}">
+                <a16:creationId xmlns:a16="http://schemas.microsoft.com/office/drawing/2014/main" id="{BE7F5E03-2395-4D1D-ACF1-E810D9BFEF56}"/>
+              </a:ext>
+            </a:extLst>
+          </p:cNvPr>
+          <p:cNvSpPr/>
+          <p:nvPr/>
+        </p:nvSpPr>
+        <p:spPr>
+          <a:xfrm>
+            <a:off x="4235809" y="2082232"/>
+            <a:ext cx="316866" cy="548831"/>
+          </a:xfrm>
+          <a:prstGeom prst="upDownArrow">
+            <a:avLst/>
+          </a:prstGeom>
+          <a:solidFill>
+            <a:srgbClr val="FFC000"/>
+          </a:solidFill>
+          <a:ln w="3175">
+            <a:noFill/>
+          </a:ln>
+        </p:spPr>
+        <p:style>
+          <a:lnRef idx="2">
+            <a:schemeClr val="dk1"/>
+          </a:lnRef>
+          <a:fillRef idx="1">
+            <a:schemeClr val="lt1"/>
+          </a:fillRef>
+          <a:effectRef idx="0">
+            <a:schemeClr val="dk1"/>
+          </a:effectRef>
+          <a:fontRef idx="minor">
+            <a:schemeClr val="dk1"/>
+          </a:fontRef>
+        </p:style>
+        <p:txBody>
+          <a:bodyPr rtlCol="0" anchor="ctr"/>
+          <a:lstStyle/>
+          <a:p>
+            <a:pPr algn="ctr"/>
+            <a:endParaRPr lang="en-US" sz="1000">
+              <a:solidFill>
+                <a:schemeClr val="dk1"/>
+              </a:solidFill>
+            </a:endParaRPr>
+          </a:p>
+        </p:txBody>
+      </p:sp>
+      <p:sp>
+        <p:nvSpPr>
+          <p:cNvPr id="136" name="Arrow: Up-Down 135">
+            <a:extLst>
+              <a:ext uri="{FF2B5EF4-FFF2-40B4-BE49-F238E27FC236}">
+                <a16:creationId xmlns:a16="http://schemas.microsoft.com/office/drawing/2014/main" id="{BBDF58F8-144C-42C6-914C-06843A0EBC8C}"/>
+              </a:ext>
+            </a:extLst>
+          </p:cNvPr>
+          <p:cNvSpPr/>
+          <p:nvPr/>
+        </p:nvSpPr>
+        <p:spPr>
+          <a:xfrm>
+            <a:off x="6202539" y="2082232"/>
+            <a:ext cx="316866" cy="548831"/>
+          </a:xfrm>
+          <a:prstGeom prst="upDownArrow">
+            <a:avLst/>
+          </a:prstGeom>
+          <a:solidFill>
+            <a:srgbClr val="FFC000"/>
+          </a:solidFill>
+          <a:ln w="3175">
+            <a:noFill/>
+          </a:ln>
+        </p:spPr>
+        <p:style>
+          <a:lnRef idx="2">
+            <a:schemeClr val="dk1"/>
+          </a:lnRef>
+          <a:fillRef idx="1">
+            <a:schemeClr val="lt1"/>
+          </a:fillRef>
+          <a:effectRef idx="0">
+            <a:schemeClr val="dk1"/>
+          </a:effectRef>
+          <a:fontRef idx="minor">
+            <a:schemeClr val="dk1"/>
+          </a:fontRef>
+        </p:style>
+        <p:txBody>
+          <a:bodyPr rtlCol="0" anchor="ctr"/>
+          <a:lstStyle/>
+          <a:p>
+            <a:pPr algn="ctr"/>
+            <a:endParaRPr lang="en-US" sz="1000">
+              <a:solidFill>
+                <a:schemeClr val="dk1"/>
+              </a:solidFill>
+            </a:endParaRPr>
+          </a:p>
+        </p:txBody>
+      </p:sp>
+      <p:sp>
+        <p:nvSpPr>
+          <p:cNvPr id="137" name="Arrow: Up-Down 136">
+            <a:extLst>
+              <a:ext uri="{FF2B5EF4-FFF2-40B4-BE49-F238E27FC236}">
+                <a16:creationId xmlns:a16="http://schemas.microsoft.com/office/drawing/2014/main" id="{36FD383A-9793-463B-AA2C-882C82012F5E}"/>
+              </a:ext>
+            </a:extLst>
+          </p:cNvPr>
+          <p:cNvSpPr/>
+          <p:nvPr/>
+        </p:nvSpPr>
+        <p:spPr>
+          <a:xfrm>
+            <a:off x="7332653" y="2082232"/>
+            <a:ext cx="316866" cy="548831"/>
+          </a:xfrm>
+          <a:prstGeom prst="upDownArrow">
+            <a:avLst/>
+          </a:prstGeom>
+          <a:solidFill>
+            <a:srgbClr val="FFC000"/>
+          </a:solidFill>
+          <a:ln w="3175">
+            <a:noFill/>
+          </a:ln>
+        </p:spPr>
+        <p:style>
+          <a:lnRef idx="2">
+            <a:schemeClr val="dk1"/>
+          </a:lnRef>
+          <a:fillRef idx="1">
+            <a:schemeClr val="lt1"/>
+          </a:fillRef>
+          <a:effectRef idx="0">
+            <a:schemeClr val="dk1"/>
+          </a:effectRef>
+          <a:fontRef idx="minor">
+            <a:schemeClr val="dk1"/>
+          </a:fontRef>
+        </p:style>
+        <p:txBody>
+          <a:bodyPr rtlCol="0" anchor="ctr"/>
+          <a:lstStyle/>
+          <a:p>
+            <a:pPr algn="ctr"/>
+            <a:endParaRPr lang="en-US" sz="1000">
+              <a:solidFill>
+                <a:schemeClr val="dk1"/>
+              </a:solidFill>
+            </a:endParaRPr>
+          </a:p>
+        </p:txBody>
+      </p:sp>
+      <p:sp>
+        <p:nvSpPr>
+          <p:cNvPr id="139" name="Arrow: Up-Down 138">
+            <a:extLst>
+              <a:ext uri="{FF2B5EF4-FFF2-40B4-BE49-F238E27FC236}">
+                <a16:creationId xmlns:a16="http://schemas.microsoft.com/office/drawing/2014/main" id="{AD01A095-103E-40EF-BE8E-E46E9CBC8270}"/>
+              </a:ext>
+            </a:extLst>
+          </p:cNvPr>
+          <p:cNvSpPr/>
+          <p:nvPr/>
+        </p:nvSpPr>
+        <p:spPr>
+          <a:xfrm>
+            <a:off x="8265541" y="2082232"/>
+            <a:ext cx="316866" cy="548831"/>
+          </a:xfrm>
+          <a:prstGeom prst="upDownArrow">
+            <a:avLst/>
+          </a:prstGeom>
+          <a:solidFill>
+            <a:srgbClr val="FFC000"/>
+          </a:solidFill>
+          <a:ln w="3175">
+            <a:noFill/>
+          </a:ln>
+        </p:spPr>
+        <p:style>
+          <a:lnRef idx="2">
+            <a:schemeClr val="dk1"/>
+          </a:lnRef>
+          <a:fillRef idx="1">
+            <a:schemeClr val="lt1"/>
+          </a:fillRef>
+          <a:effectRef idx="0">
+            <a:schemeClr val="dk1"/>
+          </a:effectRef>
+          <a:fontRef idx="minor">
+            <a:schemeClr val="dk1"/>
+          </a:fontRef>
+        </p:style>
+        <p:txBody>
+          <a:bodyPr rtlCol="0" anchor="ctr"/>
+          <a:lstStyle/>
+          <a:p>
+            <a:pPr algn="ctr"/>
+            <a:endParaRPr lang="en-US" sz="1000">
+              <a:solidFill>
+                <a:schemeClr val="dk1"/>
+              </a:solidFill>
+            </a:endParaRPr>
+          </a:p>
+        </p:txBody>
+      </p:sp>
+      <p:sp>
+        <p:nvSpPr>
+          <p:cNvPr id="140" name="Arrow: Up-Down 139">
+            <a:extLst>
+              <a:ext uri="{FF2B5EF4-FFF2-40B4-BE49-F238E27FC236}">
+                <a16:creationId xmlns:a16="http://schemas.microsoft.com/office/drawing/2014/main" id="{92309E87-A897-4C37-BD98-59A3D7EF3095}"/>
+              </a:ext>
+            </a:extLst>
+          </p:cNvPr>
+          <p:cNvSpPr/>
+          <p:nvPr/>
+        </p:nvSpPr>
+        <p:spPr>
+          <a:xfrm>
+            <a:off x="9322450" y="2082232"/>
+            <a:ext cx="316866" cy="548831"/>
+          </a:xfrm>
+          <a:prstGeom prst="upDownArrow">
+            <a:avLst/>
+          </a:prstGeom>
+          <a:solidFill>
+            <a:srgbClr val="FFC000"/>
+          </a:solidFill>
+          <a:ln w="3175">
+            <a:noFill/>
+          </a:ln>
+        </p:spPr>
+        <p:style>
+          <a:lnRef idx="2">
+            <a:schemeClr val="dk1"/>
+          </a:lnRef>
+          <a:fillRef idx="1">
+            <a:schemeClr val="lt1"/>
+          </a:fillRef>
+          <a:effectRef idx="0">
+            <a:schemeClr val="dk1"/>
+          </a:effectRef>
+          <a:fontRef idx="minor">
+            <a:schemeClr val="dk1"/>
+          </a:fontRef>
+        </p:style>
+        <p:txBody>
+          <a:bodyPr rtlCol="0" anchor="ctr"/>
+          <a:lstStyle/>
+          <a:p>
+            <a:pPr algn="ctr"/>
+            <a:endParaRPr lang="en-US" sz="1000">
+              <a:solidFill>
+                <a:schemeClr val="dk1"/>
+              </a:solidFill>
+            </a:endParaRPr>
+          </a:p>
+        </p:txBody>
+      </p:sp>
+      <p:sp>
+        <p:nvSpPr>
+          <p:cNvPr id="142" name="Arrow: Up-Down 141">
+            <a:extLst>
+              <a:ext uri="{FF2B5EF4-FFF2-40B4-BE49-F238E27FC236}">
+                <a16:creationId xmlns:a16="http://schemas.microsoft.com/office/drawing/2014/main" id="{E5571391-ED68-4B4C-BED4-67DC50344FC8}"/>
+              </a:ext>
+            </a:extLst>
+          </p:cNvPr>
+          <p:cNvSpPr/>
+          <p:nvPr/>
+        </p:nvSpPr>
+        <p:spPr>
+          <a:xfrm>
+            <a:off x="10432569" y="2082232"/>
+            <a:ext cx="316866" cy="548831"/>
+          </a:xfrm>
+          <a:prstGeom prst="upDownArrow">
+            <a:avLst/>
+          </a:prstGeom>
+          <a:solidFill>
+            <a:srgbClr val="FFC000"/>
+          </a:solidFill>
+          <a:ln w="3175">
+            <a:noFill/>
+          </a:ln>
+        </p:spPr>
+        <p:style>
+          <a:lnRef idx="2">
+            <a:schemeClr val="dk1"/>
+          </a:lnRef>
+          <a:fillRef idx="1">
+            <a:schemeClr val="lt1"/>
+          </a:fillRef>
+          <a:effectRef idx="0">
+            <a:schemeClr val="dk1"/>
+          </a:effectRef>
+          <a:fontRef idx="minor">
+            <a:schemeClr val="dk1"/>
+          </a:fontRef>
+        </p:style>
+        <p:txBody>
+          <a:bodyPr rtlCol="0" anchor="ctr"/>
+          <a:lstStyle/>
+          <a:p>
+            <a:pPr algn="ctr"/>
+            <a:endParaRPr lang="en-US" sz="1000">
+              <a:solidFill>
+                <a:schemeClr val="dk1"/>
+              </a:solidFill>
+            </a:endParaRPr>
+          </a:p>
+        </p:txBody>
+      </p:sp>
+      <p:sp>
+        <p:nvSpPr>
+          <p:cNvPr id="143" name="Arrow: Up-Down 142">
+            <a:extLst>
+              <a:ext uri="{FF2B5EF4-FFF2-40B4-BE49-F238E27FC236}">
+                <a16:creationId xmlns:a16="http://schemas.microsoft.com/office/drawing/2014/main" id="{6CB6C91B-D923-4A1A-8AE7-2B031A8367DB}"/>
+              </a:ext>
+            </a:extLst>
+          </p:cNvPr>
+          <p:cNvSpPr/>
+          <p:nvPr/>
+        </p:nvSpPr>
+        <p:spPr>
+          <a:xfrm>
+            <a:off x="4067174" y="356536"/>
+            <a:ext cx="316866" cy="1448814"/>
+          </a:xfrm>
+          <a:prstGeom prst="upDownArrow">
+            <a:avLst/>
+          </a:prstGeom>
+          <a:solidFill>
+            <a:srgbClr val="FFFF00"/>
+          </a:solidFill>
+          <a:ln w="3175">
+            <a:noFill/>
+          </a:ln>
+        </p:spPr>
+        <p:style>
+          <a:lnRef idx="2">
+            <a:schemeClr val="dk1"/>
+          </a:lnRef>
+          <a:fillRef idx="1">
+            <a:schemeClr val="lt1"/>
+          </a:fillRef>
+          <a:effectRef idx="0">
+            <a:schemeClr val="dk1"/>
+          </a:effectRef>
+          <a:fontRef idx="minor">
+            <a:schemeClr val="dk1"/>
+          </a:fontRef>
+        </p:style>
+        <p:txBody>
+          <a:bodyPr rtlCol="0" anchor="ctr"/>
+          <a:lstStyle/>
+          <a:p>
+            <a:pPr algn="ctr"/>
+            <a:endParaRPr lang="en-US" sz="1000">
+              <a:solidFill>
+                <a:schemeClr val="tx1"/>
+              </a:solidFill>
+            </a:endParaRPr>
+          </a:p>
+        </p:txBody>
+      </p:sp>
+      <p:sp>
+        <p:nvSpPr>
+          <p:cNvPr id="144" name="Arrow: Down 143">
+            <a:extLst>
+              <a:ext uri="{FF2B5EF4-FFF2-40B4-BE49-F238E27FC236}">
+                <a16:creationId xmlns:a16="http://schemas.microsoft.com/office/drawing/2014/main" id="{28C516BA-8B46-4573-B1DD-B8B72DE605A9}"/>
+              </a:ext>
+            </a:extLst>
+          </p:cNvPr>
+          <p:cNvSpPr/>
+          <p:nvPr/>
+        </p:nvSpPr>
+        <p:spPr>
+          <a:xfrm>
+            <a:off x="2830226" y="2083452"/>
+            <a:ext cx="351509" cy="945054"/>
+          </a:xfrm>
+          <a:prstGeom prst="downArrow">
+            <a:avLst/>
+          </a:prstGeom>
+          <a:solidFill>
+            <a:schemeClr val="accent1">
+              <a:lumMod val="20000"/>
+              <a:lumOff val="80000"/>
+            </a:schemeClr>
+          </a:solidFill>
+          <a:ln w="3175">
+            <a:noFill/>
+          </a:ln>
+        </p:spPr>
+        <p:style>
+          <a:lnRef idx="2">
+            <a:schemeClr val="dk1"/>
+          </a:lnRef>
+          <a:fillRef idx="1">
+            <a:schemeClr val="lt1"/>
+          </a:fillRef>
+          <a:effectRef idx="0">
+            <a:schemeClr val="dk1"/>
+          </a:effectRef>
+          <a:fontRef idx="minor">
+            <a:schemeClr val="dk1"/>
+          </a:fontRef>
+        </p:style>
+        <p:txBody>
+          <a:bodyPr rtlCol="0" anchor="ctr"/>
+          <a:lstStyle/>
+          <a:p>
+            <a:pPr algn="ctr"/>
+            <a:endParaRPr lang="en-US" sz="1000"/>
+          </a:p>
+        </p:txBody>
+      </p:sp>
+      <p:sp>
+        <p:nvSpPr>
+          <p:cNvPr id="145" name="Arrow: Down 144">
+            <a:extLst>
+              <a:ext uri="{FF2B5EF4-FFF2-40B4-BE49-F238E27FC236}">
+                <a16:creationId xmlns:a16="http://schemas.microsoft.com/office/drawing/2014/main" id="{907F4854-2D40-4666-977C-24C2C66028CA}"/>
+              </a:ext>
+            </a:extLst>
+          </p:cNvPr>
+          <p:cNvSpPr/>
+          <p:nvPr/>
+        </p:nvSpPr>
+        <p:spPr>
+          <a:xfrm>
+            <a:off x="2534239" y="1913916"/>
+            <a:ext cx="342999" cy="699883"/>
+          </a:xfrm>
+          <a:prstGeom prst="downArrow">
+            <a:avLst/>
+          </a:prstGeom>
+          <a:solidFill>
+            <a:schemeClr val="accent1">
+              <a:lumMod val="40000"/>
+              <a:lumOff val="60000"/>
+            </a:schemeClr>
+          </a:solidFill>
+          <a:ln w="3175">
+            <a:noFill/>
+          </a:ln>
+        </p:spPr>
+        <p:style>
+          <a:lnRef idx="2">
+            <a:schemeClr val="dk1"/>
+          </a:lnRef>
+          <a:fillRef idx="1">
+            <a:schemeClr val="lt1"/>
+          </a:fillRef>
+          <a:effectRef idx="0">
+            <a:schemeClr val="dk1"/>
+          </a:effectRef>
+          <a:fontRef idx="minor">
+            <a:schemeClr val="dk1"/>
+          </a:fontRef>
+        </p:style>
+        <p:txBody>
+          <a:bodyPr rtlCol="0" anchor="ctr"/>
+          <a:lstStyle/>
+          <a:p>
+            <a:pPr algn="ctr"/>
+            <a:endParaRPr lang="en-US" sz="1000"/>
+          </a:p>
+        </p:txBody>
+      </p:sp>
+      <p:sp>
+        <p:nvSpPr>
           <p:cNvPr id="135" name="Rectangle 134">
             <a:extLst>
               <a:ext uri="{FF2B5EF4-FFF2-40B4-BE49-F238E27FC236}">
@@ -10375,8 +10151,8 @@
         </p:nvSpPr>
         <p:spPr>
           <a:xfrm>
-            <a:off x="3146484" y="1636440"/>
-            <a:ext cx="827690" cy="280496"/>
+            <a:off x="2420802" y="1798438"/>
+            <a:ext cx="1164961" cy="285014"/>
           </a:xfrm>
           <a:prstGeom prst="rect">
             <a:avLst/>
@@ -10407,6 +10183,60 @@
               <a:t>S</a:t>
             </a:r>
             <a:endParaRPr lang="en-US" sz="1000" dirty="0"/>
+          </a:p>
+        </p:txBody>
+      </p:sp>
+      <p:sp>
+        <p:nvSpPr>
+          <p:cNvPr id="147" name="Arrow: Up-Down 146">
+            <a:extLst>
+              <a:ext uri="{FF2B5EF4-FFF2-40B4-BE49-F238E27FC236}">
+                <a16:creationId xmlns:a16="http://schemas.microsoft.com/office/drawing/2014/main" id="{4387908D-5044-4751-9815-E0DAB39DF3F7}"/>
+              </a:ext>
+            </a:extLst>
+          </p:cNvPr>
+          <p:cNvSpPr/>
+          <p:nvPr/>
+        </p:nvSpPr>
+        <p:spPr>
+          <a:xfrm>
+            <a:off x="3228246" y="2078934"/>
+            <a:ext cx="316866" cy="548831"/>
+          </a:xfrm>
+          <a:prstGeom prst="upDownArrow">
+            <a:avLst/>
+          </a:prstGeom>
+          <a:solidFill>
+            <a:srgbClr val="FFC000"/>
+          </a:solidFill>
+          <a:ln w="3175">
+            <a:noFill/>
+          </a:ln>
+        </p:spPr>
+        <p:style>
+          <a:lnRef idx="2">
+            <a:schemeClr val="dk1"/>
+          </a:lnRef>
+          <a:fillRef idx="1">
+            <a:schemeClr val="lt1"/>
+          </a:fillRef>
+          <a:effectRef idx="0">
+            <a:schemeClr val="dk1"/>
+          </a:effectRef>
+          <a:fontRef idx="minor">
+            <a:schemeClr val="dk1"/>
+          </a:fontRef>
+        </p:style>
+        <p:txBody>
+          <a:bodyPr rtlCol="0" anchor="ctr"/>
+          <a:lstStyle/>
+          <a:p>
+            <a:pPr algn="ctr"/>
+            <a:endParaRPr lang="en-US" sz="1000">
+              <a:solidFill>
+                <a:schemeClr val="dk1"/>
+              </a:solidFill>
+            </a:endParaRPr>
           </a:p>
         </p:txBody>
       </p:sp>

--- a/docs/architecture/overview.pptx
+++ b/docs/architecture/overview.pptx
@@ -3878,55 +3878,6 @@
       </p:sp>
       <p:sp>
         <p:nvSpPr>
-          <p:cNvPr id="4" name="Rectangle 3">
-            <a:extLst>
-              <a:ext uri="{FF2B5EF4-FFF2-40B4-BE49-F238E27FC236}">
-                <a16:creationId xmlns:a16="http://schemas.microsoft.com/office/drawing/2014/main" id="{97224CF6-3CD9-4E85-98E2-1B9938CF6B5E}"/>
-              </a:ext>
-            </a:extLst>
-          </p:cNvPr>
-          <p:cNvSpPr/>
-          <p:nvPr/>
-        </p:nvSpPr>
-        <p:spPr>
-          <a:xfrm>
-            <a:off x="584641" y="184033"/>
-            <a:ext cx="1491847" cy="212089"/>
-          </a:xfrm>
-          <a:prstGeom prst="rect">
-            <a:avLst/>
-          </a:prstGeom>
-          <a:ln w="3175"/>
-        </p:spPr>
-        <p:style>
-          <a:lnRef idx="2">
-            <a:schemeClr val="dk1"/>
-          </a:lnRef>
-          <a:fillRef idx="1">
-            <a:schemeClr val="lt1"/>
-          </a:fillRef>
-          <a:effectRef idx="0">
-            <a:schemeClr val="dk1"/>
-          </a:effectRef>
-          <a:fontRef idx="minor">
-            <a:schemeClr val="dk1"/>
-          </a:fontRef>
-        </p:style>
-        <p:txBody>
-          <a:bodyPr rtlCol="0" anchor="ctr"/>
-          <a:lstStyle/>
-          <a:p>
-            <a:pPr algn="ctr"/>
-            <a:r>
-              <a:rPr lang="en-GB" sz="1000" dirty="0"/>
-              <a:t>RAM/ROM</a:t>
-            </a:r>
-            <a:endParaRPr lang="en-US" sz="1000" dirty="0"/>
-          </a:p>
-        </p:txBody>
-      </p:sp>
-      <p:sp>
-        <p:nvSpPr>
           <p:cNvPr id="13" name="Rectangle 12">
             <a:extLst>
               <a:ext uri="{FF2B5EF4-FFF2-40B4-BE49-F238E27FC236}">
@@ -5599,8 +5550,8 @@
         </p:nvSpPr>
         <p:spPr>
           <a:xfrm>
-            <a:off x="2316000" y="189000"/>
-            <a:ext cx="3256081" cy="178730"/>
+            <a:off x="2029436" y="189000"/>
+            <a:ext cx="3542646" cy="174254"/>
           </a:xfrm>
           <a:prstGeom prst="rect">
             <a:avLst/>
@@ -10237,6 +10188,55 @@
                 <a:schemeClr val="dk1"/>
               </a:solidFill>
             </a:endParaRPr>
+          </a:p>
+        </p:txBody>
+      </p:sp>
+      <p:sp>
+        <p:nvSpPr>
+          <p:cNvPr id="4" name="Rectangle 3">
+            <a:extLst>
+              <a:ext uri="{FF2B5EF4-FFF2-40B4-BE49-F238E27FC236}">
+                <a16:creationId xmlns:a16="http://schemas.microsoft.com/office/drawing/2014/main" id="{97224CF6-3CD9-4E85-98E2-1B9938CF6B5E}"/>
+              </a:ext>
+            </a:extLst>
+          </p:cNvPr>
+          <p:cNvSpPr/>
+          <p:nvPr/>
+        </p:nvSpPr>
+        <p:spPr>
+          <a:xfrm>
+            <a:off x="584641" y="184033"/>
+            <a:ext cx="1491847" cy="212089"/>
+          </a:xfrm>
+          <a:prstGeom prst="rect">
+            <a:avLst/>
+          </a:prstGeom>
+          <a:ln w="3175"/>
+        </p:spPr>
+        <p:style>
+          <a:lnRef idx="2">
+            <a:schemeClr val="dk1"/>
+          </a:lnRef>
+          <a:fillRef idx="1">
+            <a:schemeClr val="lt1"/>
+          </a:fillRef>
+          <a:effectRef idx="0">
+            <a:schemeClr val="dk1"/>
+          </a:effectRef>
+          <a:fontRef idx="minor">
+            <a:schemeClr val="dk1"/>
+          </a:fontRef>
+        </p:style>
+        <p:txBody>
+          <a:bodyPr rtlCol="0" anchor="ctr"/>
+          <a:lstStyle/>
+          <a:p>
+            <a:pPr algn="ctr"/>
+            <a:r>
+              <a:rPr lang="en-GB" sz="1000" dirty="0"/>
+              <a:t>RAM/ROM</a:t>
+            </a:r>
+            <a:endParaRPr lang="en-US" sz="1000" dirty="0"/>
           </a:p>
         </p:txBody>
       </p:sp>

--- a/docs/architecture/overview.pptx
+++ b/docs/architecture/overview.pptx
@@ -3829,55 +3829,6 @@
       </p:sp>
       <p:sp>
         <p:nvSpPr>
-          <p:cNvPr id="6" name="Rectangle 5">
-            <a:extLst>
-              <a:ext uri="{FF2B5EF4-FFF2-40B4-BE49-F238E27FC236}">
-                <a16:creationId xmlns:a16="http://schemas.microsoft.com/office/drawing/2014/main" id="{512F4E7D-EB97-4933-B5BA-1C205DBA8F87}"/>
-              </a:ext>
-            </a:extLst>
-          </p:cNvPr>
-          <p:cNvSpPr/>
-          <p:nvPr/>
-        </p:nvSpPr>
-        <p:spPr>
-          <a:xfrm>
-            <a:off x="4857646" y="1798438"/>
-            <a:ext cx="827690" cy="280496"/>
-          </a:xfrm>
-          <a:prstGeom prst="rect">
-            <a:avLst/>
-          </a:prstGeom>
-          <a:ln w="3175"/>
-        </p:spPr>
-        <p:style>
-          <a:lnRef idx="2">
-            <a:schemeClr val="dk1"/>
-          </a:lnRef>
-          <a:fillRef idx="1">
-            <a:schemeClr val="lt1"/>
-          </a:fillRef>
-          <a:effectRef idx="0">
-            <a:schemeClr val="dk1"/>
-          </a:effectRef>
-          <a:fontRef idx="minor">
-            <a:schemeClr val="dk1"/>
-          </a:fontRef>
-        </p:style>
-        <p:txBody>
-          <a:bodyPr rtlCol="0" anchor="ctr"/>
-          <a:lstStyle/>
-          <a:p>
-            <a:pPr algn="ctr"/>
-            <a:r>
-              <a:rPr lang="en-GB" sz="1000" dirty="0"/>
-              <a:t>IR</a:t>
-            </a:r>
-            <a:endParaRPr lang="en-US" sz="1000" dirty="0"/>
-          </a:p>
-        </p:txBody>
-      </p:sp>
-      <p:sp>
-        <p:nvSpPr>
           <p:cNvPr id="13" name="Rectangle 12">
             <a:extLst>
               <a:ext uri="{FF2B5EF4-FFF2-40B4-BE49-F238E27FC236}">
@@ -8456,55 +8407,6 @@
       </p:sp>
       <p:sp>
         <p:nvSpPr>
-          <p:cNvPr id="234" name="Rectangle 233">
-            <a:extLst>
-              <a:ext uri="{FF2B5EF4-FFF2-40B4-BE49-F238E27FC236}">
-                <a16:creationId xmlns:a16="http://schemas.microsoft.com/office/drawing/2014/main" id="{54C9DDA2-0FA5-4A32-986A-D67CAB72D747}"/>
-              </a:ext>
-            </a:extLst>
-          </p:cNvPr>
-          <p:cNvSpPr/>
-          <p:nvPr/>
-        </p:nvSpPr>
-        <p:spPr>
-          <a:xfrm>
-            <a:off x="5903530" y="1798438"/>
-            <a:ext cx="827690" cy="280566"/>
-          </a:xfrm>
-          <a:prstGeom prst="rect">
-            <a:avLst/>
-          </a:prstGeom>
-          <a:ln w="3175"/>
-        </p:spPr>
-        <p:style>
-          <a:lnRef idx="2">
-            <a:schemeClr val="dk1"/>
-          </a:lnRef>
-          <a:fillRef idx="1">
-            <a:schemeClr val="lt1"/>
-          </a:fillRef>
-          <a:effectRef idx="0">
-            <a:schemeClr val="dk1"/>
-          </a:effectRef>
-          <a:fontRef idx="minor">
-            <a:schemeClr val="dk1"/>
-          </a:fontRef>
-        </p:style>
-        <p:txBody>
-          <a:bodyPr rtlCol="0" anchor="ctr"/>
-          <a:lstStyle/>
-          <a:p>
-            <a:pPr algn="ctr"/>
-            <a:r>
-              <a:rPr lang="en-GB" sz="1000" dirty="0"/>
-              <a:t>STASHL</a:t>
-            </a:r>
-            <a:endParaRPr lang="en-US" sz="1000" dirty="0"/>
-          </a:p>
-        </p:txBody>
-      </p:sp>
-      <p:sp>
-        <p:nvSpPr>
           <p:cNvPr id="156" name="Rectangle 155">
             <a:extLst>
               <a:ext uri="{FF2B5EF4-FFF2-40B4-BE49-F238E27FC236}">
@@ -8547,55 +8449,6 @@
             <a:r>
               <a:rPr lang="en-GB" sz="1000" dirty="0"/>
               <a:t>STASHH</a:t>
-            </a:r>
-            <a:endParaRPr lang="en-US" sz="1000" dirty="0"/>
-          </a:p>
-        </p:txBody>
-      </p:sp>
-      <p:sp>
-        <p:nvSpPr>
-          <p:cNvPr id="9" name="Rectangle 8">
-            <a:extLst>
-              <a:ext uri="{FF2B5EF4-FFF2-40B4-BE49-F238E27FC236}">
-                <a16:creationId xmlns:a16="http://schemas.microsoft.com/office/drawing/2014/main" id="{A2F9B9C3-65DC-445D-BB11-9BA115F9B13F}"/>
-              </a:ext>
-            </a:extLst>
-          </p:cNvPr>
-          <p:cNvSpPr/>
-          <p:nvPr/>
-        </p:nvSpPr>
-        <p:spPr>
-          <a:xfrm>
-            <a:off x="3811762" y="1798438"/>
-            <a:ext cx="827690" cy="283443"/>
-          </a:xfrm>
-          <a:prstGeom prst="rect">
-            <a:avLst/>
-          </a:prstGeom>
-          <a:ln w="3175"/>
-        </p:spPr>
-        <p:style>
-          <a:lnRef idx="2">
-            <a:schemeClr val="dk1"/>
-          </a:lnRef>
-          <a:fillRef idx="1">
-            <a:schemeClr val="lt1"/>
-          </a:fillRef>
-          <a:effectRef idx="0">
-            <a:schemeClr val="dk1"/>
-          </a:effectRef>
-          <a:fontRef idx="minor">
-            <a:schemeClr val="dk1"/>
-          </a:fontRef>
-        </p:style>
-        <p:txBody>
-          <a:bodyPr rtlCol="0" anchor="ctr"/>
-          <a:lstStyle/>
-          <a:p>
-            <a:pPr algn="ctr"/>
-            <a:r>
-              <a:rPr lang="en-GB" sz="1000" dirty="0"/>
-              <a:t>MBR</a:t>
             </a:r>
             <a:endParaRPr lang="en-US" sz="1000" dirty="0"/>
           </a:p>
@@ -9618,7 +9471,7 @@
         </p:nvSpPr>
         <p:spPr>
           <a:xfrm>
-            <a:off x="4235809" y="2082232"/>
+            <a:off x="4059369" y="2078321"/>
             <a:ext cx="316866" cy="548831"/>
           </a:xfrm>
           <a:prstGeom prst="upDownArrow">
@@ -9672,7 +9525,7 @@
         </p:nvSpPr>
         <p:spPr>
           <a:xfrm>
-            <a:off x="6202539" y="2082232"/>
+            <a:off x="6179322" y="2064525"/>
             <a:ext cx="316866" cy="548831"/>
           </a:xfrm>
           <a:prstGeom prst="upDownArrow">
@@ -9942,7 +9795,7 @@
         </p:nvSpPr>
         <p:spPr>
           <a:xfrm>
-            <a:off x="4067174" y="356536"/>
+            <a:off x="4071506" y="356536"/>
             <a:ext cx="316866" cy="1448814"/>
           </a:xfrm>
           <a:prstGeom prst="upDownArrow">
@@ -10235,6 +10088,153 @@
             <a:r>
               <a:rPr lang="en-GB" sz="1000" dirty="0"/>
               <a:t>RAM/ROM</a:t>
+            </a:r>
+            <a:endParaRPr lang="en-US" sz="1000" dirty="0"/>
+          </a:p>
+        </p:txBody>
+      </p:sp>
+      <p:sp>
+        <p:nvSpPr>
+          <p:cNvPr id="234" name="Rectangle 233">
+            <a:extLst>
+              <a:ext uri="{FF2B5EF4-FFF2-40B4-BE49-F238E27FC236}">
+                <a16:creationId xmlns:a16="http://schemas.microsoft.com/office/drawing/2014/main" id="{54C9DDA2-0FA5-4A32-986A-D67CAB72D747}"/>
+              </a:ext>
+            </a:extLst>
+          </p:cNvPr>
+          <p:cNvSpPr/>
+          <p:nvPr/>
+        </p:nvSpPr>
+        <p:spPr>
+          <a:xfrm>
+            <a:off x="5903530" y="1798438"/>
+            <a:ext cx="827690" cy="280566"/>
+          </a:xfrm>
+          <a:prstGeom prst="rect">
+            <a:avLst/>
+          </a:prstGeom>
+          <a:ln w="3175"/>
+        </p:spPr>
+        <p:style>
+          <a:lnRef idx="2">
+            <a:schemeClr val="dk1"/>
+          </a:lnRef>
+          <a:fillRef idx="1">
+            <a:schemeClr val="lt1"/>
+          </a:fillRef>
+          <a:effectRef idx="0">
+            <a:schemeClr val="dk1"/>
+          </a:effectRef>
+          <a:fontRef idx="minor">
+            <a:schemeClr val="dk1"/>
+          </a:fontRef>
+        </p:style>
+        <p:txBody>
+          <a:bodyPr rtlCol="0" anchor="ctr"/>
+          <a:lstStyle/>
+          <a:p>
+            <a:pPr algn="ctr"/>
+            <a:r>
+              <a:rPr lang="en-GB" sz="1000" dirty="0"/>
+              <a:t>STASHL</a:t>
+            </a:r>
+            <a:endParaRPr lang="en-US" sz="1000" dirty="0"/>
+          </a:p>
+        </p:txBody>
+      </p:sp>
+      <p:sp>
+        <p:nvSpPr>
+          <p:cNvPr id="9" name="Rectangle 8">
+            <a:extLst>
+              <a:ext uri="{FF2B5EF4-FFF2-40B4-BE49-F238E27FC236}">
+                <a16:creationId xmlns:a16="http://schemas.microsoft.com/office/drawing/2014/main" id="{A2F9B9C3-65DC-445D-BB11-9BA115F9B13F}"/>
+              </a:ext>
+            </a:extLst>
+          </p:cNvPr>
+          <p:cNvSpPr/>
+          <p:nvPr/>
+        </p:nvSpPr>
+        <p:spPr>
+          <a:xfrm>
+            <a:off x="3811762" y="1798438"/>
+            <a:ext cx="827690" cy="283443"/>
+          </a:xfrm>
+          <a:prstGeom prst="rect">
+            <a:avLst/>
+          </a:prstGeom>
+          <a:ln w="3175"/>
+        </p:spPr>
+        <p:style>
+          <a:lnRef idx="2">
+            <a:schemeClr val="dk1"/>
+          </a:lnRef>
+          <a:fillRef idx="1">
+            <a:schemeClr val="lt1"/>
+          </a:fillRef>
+          <a:effectRef idx="0">
+            <a:schemeClr val="dk1"/>
+          </a:effectRef>
+          <a:fontRef idx="minor">
+            <a:schemeClr val="dk1"/>
+          </a:fontRef>
+        </p:style>
+        <p:txBody>
+          <a:bodyPr rtlCol="0" anchor="ctr"/>
+          <a:lstStyle/>
+          <a:p>
+            <a:pPr algn="ctr"/>
+            <a:r>
+              <a:rPr lang="en-GB" sz="1000" dirty="0"/>
+              <a:t>MBR</a:t>
+            </a:r>
+            <a:endParaRPr lang="en-US" sz="1000" dirty="0"/>
+          </a:p>
+        </p:txBody>
+      </p:sp>
+      <p:sp>
+        <p:nvSpPr>
+          <p:cNvPr id="6" name="Rectangle 5">
+            <a:extLst>
+              <a:ext uri="{FF2B5EF4-FFF2-40B4-BE49-F238E27FC236}">
+                <a16:creationId xmlns:a16="http://schemas.microsoft.com/office/drawing/2014/main" id="{512F4E7D-EB97-4933-B5BA-1C205DBA8F87}"/>
+              </a:ext>
+            </a:extLst>
+          </p:cNvPr>
+          <p:cNvSpPr/>
+          <p:nvPr/>
+        </p:nvSpPr>
+        <p:spPr>
+          <a:xfrm>
+            <a:off x="4857646" y="1798438"/>
+            <a:ext cx="827690" cy="280496"/>
+          </a:xfrm>
+          <a:prstGeom prst="rect">
+            <a:avLst/>
+          </a:prstGeom>
+          <a:ln w="3175"/>
+        </p:spPr>
+        <p:style>
+          <a:lnRef idx="2">
+            <a:schemeClr val="dk1"/>
+          </a:lnRef>
+          <a:fillRef idx="1">
+            <a:schemeClr val="lt1"/>
+          </a:fillRef>
+          <a:effectRef idx="0">
+            <a:schemeClr val="dk1"/>
+          </a:effectRef>
+          <a:fontRef idx="minor">
+            <a:schemeClr val="dk1"/>
+          </a:fontRef>
+        </p:style>
+        <p:txBody>
+          <a:bodyPr rtlCol="0" anchor="ctr"/>
+          <a:lstStyle/>
+          <a:p>
+            <a:pPr algn="ctr"/>
+            <a:r>
+              <a:rPr lang="en-GB" sz="1000" dirty="0"/>
+              <a:t>IR</a:t>
             </a:r>
             <a:endParaRPr lang="en-US" sz="1000" dirty="0"/>
           </a:p>

--- a/docs/architecture/overview.pptx
+++ b/docs/architecture/overview.pptx
@@ -270,7 +270,7 @@
           <a:p>
             <a:fld id="{295E69C3-260E-4F63-A3EC-49AB4E9845FD}" type="datetimeFigureOut">
               <a:rPr lang="en-US" smtClean="0"/>
-              <a:t>5/31/2022</a:t>
+              <a:t>6/6/2022</a:t>
             </a:fld>
             <a:endParaRPr lang="en-US"/>
           </a:p>
@@ -468,7 +468,7 @@
           <a:p>
             <a:fld id="{295E69C3-260E-4F63-A3EC-49AB4E9845FD}" type="datetimeFigureOut">
               <a:rPr lang="en-US" smtClean="0"/>
-              <a:t>5/31/2022</a:t>
+              <a:t>6/6/2022</a:t>
             </a:fld>
             <a:endParaRPr lang="en-US"/>
           </a:p>
@@ -676,7 +676,7 @@
           <a:p>
             <a:fld id="{295E69C3-260E-4F63-A3EC-49AB4E9845FD}" type="datetimeFigureOut">
               <a:rPr lang="en-US" smtClean="0"/>
-              <a:t>5/31/2022</a:t>
+              <a:t>6/6/2022</a:t>
             </a:fld>
             <a:endParaRPr lang="en-US"/>
           </a:p>
@@ -874,7 +874,7 @@
           <a:p>
             <a:fld id="{295E69C3-260E-4F63-A3EC-49AB4E9845FD}" type="datetimeFigureOut">
               <a:rPr lang="en-US" smtClean="0"/>
-              <a:t>5/31/2022</a:t>
+              <a:t>6/6/2022</a:t>
             </a:fld>
             <a:endParaRPr lang="en-US"/>
           </a:p>
@@ -1149,7 +1149,7 @@
           <a:p>
             <a:fld id="{295E69C3-260E-4F63-A3EC-49AB4E9845FD}" type="datetimeFigureOut">
               <a:rPr lang="en-US" smtClean="0"/>
-              <a:t>5/31/2022</a:t>
+              <a:t>6/6/2022</a:t>
             </a:fld>
             <a:endParaRPr lang="en-US"/>
           </a:p>
@@ -1414,7 +1414,7 @@
           <a:p>
             <a:fld id="{295E69C3-260E-4F63-A3EC-49AB4E9845FD}" type="datetimeFigureOut">
               <a:rPr lang="en-US" smtClean="0"/>
-              <a:t>5/31/2022</a:t>
+              <a:t>6/6/2022</a:t>
             </a:fld>
             <a:endParaRPr lang="en-US"/>
           </a:p>
@@ -1826,7 +1826,7 @@
           <a:p>
             <a:fld id="{295E69C3-260E-4F63-A3EC-49AB4E9845FD}" type="datetimeFigureOut">
               <a:rPr lang="en-US" smtClean="0"/>
-              <a:t>5/31/2022</a:t>
+              <a:t>6/6/2022</a:t>
             </a:fld>
             <a:endParaRPr lang="en-US"/>
           </a:p>
@@ -1967,7 +1967,7 @@
           <a:p>
             <a:fld id="{295E69C3-260E-4F63-A3EC-49AB4E9845FD}" type="datetimeFigureOut">
               <a:rPr lang="en-US" smtClean="0"/>
-              <a:t>5/31/2022</a:t>
+              <a:t>6/6/2022</a:t>
             </a:fld>
             <a:endParaRPr lang="en-US"/>
           </a:p>
@@ -2080,7 +2080,7 @@
           <a:p>
             <a:fld id="{295E69C3-260E-4F63-A3EC-49AB4E9845FD}" type="datetimeFigureOut">
               <a:rPr lang="en-US" smtClean="0"/>
-              <a:t>5/31/2022</a:t>
+              <a:t>6/6/2022</a:t>
             </a:fld>
             <a:endParaRPr lang="en-US"/>
           </a:p>
@@ -2391,7 +2391,7 @@
           <a:p>
             <a:fld id="{295E69C3-260E-4F63-A3EC-49AB4E9845FD}" type="datetimeFigureOut">
               <a:rPr lang="en-US" smtClean="0"/>
-              <a:t>5/31/2022</a:t>
+              <a:t>6/6/2022</a:t>
             </a:fld>
             <a:endParaRPr lang="en-US"/>
           </a:p>
@@ -2679,7 +2679,7 @@
           <a:p>
             <a:fld id="{295E69C3-260E-4F63-A3EC-49AB4E9845FD}" type="datetimeFigureOut">
               <a:rPr lang="en-US" smtClean="0"/>
-              <a:t>5/31/2022</a:t>
+              <a:t>6/6/2022</a:t>
             </a:fld>
             <a:endParaRPr lang="en-US"/>
           </a:p>
@@ -2920,7 +2920,7 @@
           <a:p>
             <a:fld id="{295E69C3-260E-4F63-A3EC-49AB4E9845FD}" type="datetimeFigureOut">
               <a:rPr lang="en-US" smtClean="0"/>
-              <a:t>5/31/2022</a:t>
+              <a:t>6/6/2022</a:t>
             </a:fld>
             <a:endParaRPr lang="en-US"/>
           </a:p>
@@ -3400,7 +3400,7 @@
         </p:nvSpPr>
         <p:spPr>
           <a:xfrm rot="16200000">
-            <a:off x="6396983" y="4884586"/>
+            <a:off x="6406241" y="4986063"/>
             <a:ext cx="377624" cy="543641"/>
           </a:xfrm>
           <a:prstGeom prst="downArrow">
@@ -3449,8 +3449,8 @@
         </p:nvSpPr>
         <p:spPr>
           <a:xfrm rot="5400000">
-            <a:off x="5574142" y="5005768"/>
-            <a:ext cx="1251158" cy="252249"/>
+            <a:off x="5454933" y="5124977"/>
+            <a:ext cx="1489576" cy="252249"/>
           </a:xfrm>
           <a:prstGeom prst="rect">
             <a:avLst/>
@@ -3498,7 +3498,7 @@
         </p:nvSpPr>
         <p:spPr>
           <a:xfrm>
-            <a:off x="5635440" y="5031794"/>
+            <a:off x="5639182" y="5155037"/>
             <a:ext cx="274718" cy="208147"/>
           </a:xfrm>
           <a:prstGeom prst="rect">
@@ -5962,7 +5962,7 @@
         </p:nvSpPr>
         <p:spPr>
           <a:xfrm>
-            <a:off x="5204075" y="5647465"/>
+            <a:off x="5203072" y="5781716"/>
             <a:ext cx="338334" cy="233645"/>
           </a:xfrm>
           <a:prstGeom prst="rect">
@@ -6014,7 +6014,7 @@
         </p:nvSpPr>
         <p:spPr>
           <a:xfrm>
-            <a:off x="5229517" y="5420888"/>
+            <a:off x="5234208" y="5493274"/>
             <a:ext cx="281314" cy="274840"/>
           </a:xfrm>
           <a:prstGeom prst="rect">
@@ -7334,8 +7334,8 @@
         </p:nvSpPr>
         <p:spPr>
           <a:xfrm rot="5400000">
-            <a:off x="4854878" y="5022405"/>
-            <a:ext cx="1470282" cy="226474"/>
+            <a:off x="4739595" y="5137688"/>
+            <a:ext cx="1700848" cy="226474"/>
           </a:xfrm>
           <a:prstGeom prst="trapezoid">
             <a:avLst>
@@ -7820,7 +7820,7 @@
         </p:nvSpPr>
         <p:spPr>
           <a:xfrm rot="5400000">
-            <a:off x="5833232" y="5016611"/>
+            <a:off x="5833232" y="5255029"/>
             <a:ext cx="251984" cy="230561"/>
           </a:xfrm>
           <a:prstGeom prst="rect">
@@ -7869,7 +7869,7 @@
         </p:nvSpPr>
         <p:spPr>
           <a:xfrm rot="5400000">
-            <a:off x="5833232" y="5266404"/>
+            <a:off x="5833232" y="5504822"/>
             <a:ext cx="251984" cy="230561"/>
           </a:xfrm>
           <a:prstGeom prst="rect">
@@ -7918,7 +7918,7 @@
         </p:nvSpPr>
         <p:spPr>
           <a:xfrm rot="5400000">
-            <a:off x="5833232" y="5516197"/>
+            <a:off x="5833232" y="5754615"/>
             <a:ext cx="251984" cy="230561"/>
           </a:xfrm>
           <a:prstGeom prst="rect">
@@ -10235,6 +10235,55 @@
             <a:r>
               <a:rPr lang="en-GB" sz="1000" dirty="0"/>
               <a:t>IR</a:t>
+            </a:r>
+            <a:endParaRPr lang="en-US" sz="1000" dirty="0"/>
+          </a:p>
+        </p:txBody>
+      </p:sp>
+      <p:sp>
+        <p:nvSpPr>
+          <p:cNvPr id="132" name="Rectangle 131">
+            <a:extLst>
+              <a:ext uri="{FF2B5EF4-FFF2-40B4-BE49-F238E27FC236}">
+                <a16:creationId xmlns:a16="http://schemas.microsoft.com/office/drawing/2014/main" id="{E17133B1-43AD-4300-A185-1AC0AD1CCCF9}"/>
+              </a:ext>
+            </a:extLst>
+          </p:cNvPr>
+          <p:cNvSpPr/>
+          <p:nvPr/>
+        </p:nvSpPr>
+        <p:spPr>
+          <a:xfrm rot="5400000">
+            <a:off x="5832323" y="5016611"/>
+            <a:ext cx="251984" cy="230561"/>
+          </a:xfrm>
+          <a:prstGeom prst="rect">
+            <a:avLst/>
+          </a:prstGeom>
+          <a:ln w="3175"/>
+        </p:spPr>
+        <p:style>
+          <a:lnRef idx="2">
+            <a:schemeClr val="dk1"/>
+          </a:lnRef>
+          <a:fillRef idx="1">
+            <a:schemeClr val="lt1"/>
+          </a:fillRef>
+          <a:effectRef idx="0">
+            <a:schemeClr val="dk1"/>
+          </a:effectRef>
+          <a:fontRef idx="minor">
+            <a:schemeClr val="dk1"/>
+          </a:fontRef>
+        </p:style>
+        <p:txBody>
+          <a:bodyPr rtlCol="0" anchor="ctr"/>
+          <a:lstStyle/>
+          <a:p>
+            <a:pPr algn="ctr"/>
+            <a:r>
+              <a:rPr lang="en-GB" sz="1000" dirty="0"/>
+              <a:t>B</a:t>
             </a:r>
             <a:endParaRPr lang="en-US" sz="1000" dirty="0"/>
           </a:p>

--- a/docs/architecture/overview.pptx
+++ b/docs/architecture/overview.pptx
@@ -270,7 +270,7 @@
           <a:p>
             <a:fld id="{295E69C3-260E-4F63-A3EC-49AB4E9845FD}" type="datetimeFigureOut">
               <a:rPr lang="en-US" smtClean="0"/>
-              <a:t>6/6/2022</a:t>
+              <a:t>6/8/2022</a:t>
             </a:fld>
             <a:endParaRPr lang="en-US"/>
           </a:p>
@@ -468,7 +468,7 @@
           <a:p>
             <a:fld id="{295E69C3-260E-4F63-A3EC-49AB4E9845FD}" type="datetimeFigureOut">
               <a:rPr lang="en-US" smtClean="0"/>
-              <a:t>6/6/2022</a:t>
+              <a:t>6/8/2022</a:t>
             </a:fld>
             <a:endParaRPr lang="en-US"/>
           </a:p>
@@ -676,7 +676,7 @@
           <a:p>
             <a:fld id="{295E69C3-260E-4F63-A3EC-49AB4E9845FD}" type="datetimeFigureOut">
               <a:rPr lang="en-US" smtClean="0"/>
-              <a:t>6/6/2022</a:t>
+              <a:t>6/8/2022</a:t>
             </a:fld>
             <a:endParaRPr lang="en-US"/>
           </a:p>
@@ -874,7 +874,7 @@
           <a:p>
             <a:fld id="{295E69C3-260E-4F63-A3EC-49AB4E9845FD}" type="datetimeFigureOut">
               <a:rPr lang="en-US" smtClean="0"/>
-              <a:t>6/6/2022</a:t>
+              <a:t>6/8/2022</a:t>
             </a:fld>
             <a:endParaRPr lang="en-US"/>
           </a:p>
@@ -1149,7 +1149,7 @@
           <a:p>
             <a:fld id="{295E69C3-260E-4F63-A3EC-49AB4E9845FD}" type="datetimeFigureOut">
               <a:rPr lang="en-US" smtClean="0"/>
-              <a:t>6/6/2022</a:t>
+              <a:t>6/8/2022</a:t>
             </a:fld>
             <a:endParaRPr lang="en-US"/>
           </a:p>
@@ -1414,7 +1414,7 @@
           <a:p>
             <a:fld id="{295E69C3-260E-4F63-A3EC-49AB4E9845FD}" type="datetimeFigureOut">
               <a:rPr lang="en-US" smtClean="0"/>
-              <a:t>6/6/2022</a:t>
+              <a:t>6/8/2022</a:t>
             </a:fld>
             <a:endParaRPr lang="en-US"/>
           </a:p>
@@ -1826,7 +1826,7 @@
           <a:p>
             <a:fld id="{295E69C3-260E-4F63-A3EC-49AB4E9845FD}" type="datetimeFigureOut">
               <a:rPr lang="en-US" smtClean="0"/>
-              <a:t>6/6/2022</a:t>
+              <a:t>6/8/2022</a:t>
             </a:fld>
             <a:endParaRPr lang="en-US"/>
           </a:p>
@@ -1967,7 +1967,7 @@
           <a:p>
             <a:fld id="{295E69C3-260E-4F63-A3EC-49AB4E9845FD}" type="datetimeFigureOut">
               <a:rPr lang="en-US" smtClean="0"/>
-              <a:t>6/6/2022</a:t>
+              <a:t>6/8/2022</a:t>
             </a:fld>
             <a:endParaRPr lang="en-US"/>
           </a:p>
@@ -2080,7 +2080,7 @@
           <a:p>
             <a:fld id="{295E69C3-260E-4F63-A3EC-49AB4E9845FD}" type="datetimeFigureOut">
               <a:rPr lang="en-US" smtClean="0"/>
-              <a:t>6/6/2022</a:t>
+              <a:t>6/8/2022</a:t>
             </a:fld>
             <a:endParaRPr lang="en-US"/>
           </a:p>
@@ -2391,7 +2391,7 @@
           <a:p>
             <a:fld id="{295E69C3-260E-4F63-A3EC-49AB4E9845FD}" type="datetimeFigureOut">
               <a:rPr lang="en-US" smtClean="0"/>
-              <a:t>6/6/2022</a:t>
+              <a:t>6/8/2022</a:t>
             </a:fld>
             <a:endParaRPr lang="en-US"/>
           </a:p>
@@ -2679,7 +2679,7 @@
           <a:p>
             <a:fld id="{295E69C3-260E-4F63-A3EC-49AB4E9845FD}" type="datetimeFigureOut">
               <a:rPr lang="en-US" smtClean="0"/>
-              <a:t>6/6/2022</a:t>
+              <a:t>6/8/2022</a:t>
             </a:fld>
             <a:endParaRPr lang="en-US"/>
           </a:p>
@@ -2920,7 +2920,7 @@
           <a:p>
             <a:fld id="{295E69C3-260E-4F63-A3EC-49AB4E9845FD}" type="datetimeFigureOut">
               <a:rPr lang="en-US" smtClean="0"/>
-              <a:t>6/6/2022</a:t>
+              <a:t>6/8/2022</a:t>
             </a:fld>
             <a:endParaRPr lang="en-US"/>
           </a:p>
@@ -3437,55 +3437,6 @@
       </p:sp>
       <p:sp>
         <p:nvSpPr>
-          <p:cNvPr id="277" name="Rectangle 276">
-            <a:extLst>
-              <a:ext uri="{FF2B5EF4-FFF2-40B4-BE49-F238E27FC236}">
-                <a16:creationId xmlns:a16="http://schemas.microsoft.com/office/drawing/2014/main" id="{0FC7CC50-BF00-47B2-B0B8-93D85DF2F859}"/>
-              </a:ext>
-            </a:extLst>
-          </p:cNvPr>
-          <p:cNvSpPr/>
-          <p:nvPr/>
-        </p:nvSpPr>
-        <p:spPr>
-          <a:xfrm rot="5400000">
-            <a:off x="5454933" y="5124977"/>
-            <a:ext cx="1489576" cy="252249"/>
-          </a:xfrm>
-          <a:prstGeom prst="rect">
-            <a:avLst/>
-          </a:prstGeom>
-          <a:ln w="3175"/>
-        </p:spPr>
-        <p:style>
-          <a:lnRef idx="2">
-            <a:schemeClr val="dk1"/>
-          </a:lnRef>
-          <a:fillRef idx="1">
-            <a:schemeClr val="lt1"/>
-          </a:fillRef>
-          <a:effectRef idx="0">
-            <a:schemeClr val="dk1"/>
-          </a:effectRef>
-          <a:fontRef idx="minor">
-            <a:schemeClr val="dk1"/>
-          </a:fontRef>
-        </p:style>
-        <p:txBody>
-          <a:bodyPr rtlCol="0" anchor="ctr"/>
-          <a:lstStyle/>
-          <a:p>
-            <a:pPr algn="ctr"/>
-            <a:r>
-              <a:rPr lang="en-GB" sz="1000" dirty="0"/>
-              <a:t>P</a:t>
-            </a:r>
-            <a:endParaRPr lang="en-US" sz="1000" baseline="-25000" dirty="0"/>
-          </a:p>
-        </p:txBody>
-      </p:sp>
-      <p:sp>
-        <p:nvSpPr>
           <p:cNvPr id="311" name="Rectangle 310">
             <a:extLst>
               <a:ext uri="{FF2B5EF4-FFF2-40B4-BE49-F238E27FC236}">
@@ -5137,8 +5088,8 @@
         </p:nvSpPr>
         <p:spPr>
           <a:xfrm>
-            <a:off x="11073639" y="1849731"/>
-            <a:ext cx="295809" cy="1137644"/>
+            <a:off x="11067372" y="1849731"/>
+            <a:ext cx="313279" cy="1137644"/>
           </a:xfrm>
           <a:prstGeom prst="downArrow">
             <a:avLst/>
@@ -5196,7 +5147,7 @@
         </p:nvSpPr>
         <p:spPr>
           <a:xfrm>
-            <a:off x="5875254" y="2589967"/>
+            <a:off x="6535569" y="2572598"/>
             <a:ext cx="827690" cy="252248"/>
           </a:xfrm>
           <a:prstGeom prst="rect">
@@ -6304,8 +6255,8 @@
         </p:nvSpPr>
         <p:spPr>
           <a:xfrm>
-            <a:off x="7809416" y="3540197"/>
-            <a:ext cx="3349285" cy="205977"/>
+            <a:off x="7809416" y="3544603"/>
+            <a:ext cx="3349285" cy="205116"/>
           </a:xfrm>
           <a:prstGeom prst="rect">
             <a:avLst/>
@@ -7393,8 +7344,8 @@
         </p:nvSpPr>
         <p:spPr>
           <a:xfrm rot="16200000">
-            <a:off x="4408845" y="4034308"/>
-            <a:ext cx="316282" cy="1742662"/>
+            <a:off x="4397560" y="4045593"/>
+            <a:ext cx="338852" cy="1742662"/>
           </a:xfrm>
           <a:prstGeom prst="downArrow">
             <a:avLst/>
@@ -7492,8 +7443,8 @@
         </p:nvSpPr>
         <p:spPr>
           <a:xfrm rot="5400000">
-            <a:off x="3352446" y="4568536"/>
-            <a:ext cx="322021" cy="668466"/>
+            <a:off x="3338160" y="4582823"/>
+            <a:ext cx="350593" cy="668466"/>
           </a:xfrm>
           <a:prstGeom prst="downArrow">
             <a:avLst/>
@@ -8260,202 +8211,6 @@
       </p:sp>
       <p:sp>
         <p:nvSpPr>
-          <p:cNvPr id="5" name="Rectangle 4">
-            <a:extLst>
-              <a:ext uri="{FF2B5EF4-FFF2-40B4-BE49-F238E27FC236}">
-                <a16:creationId xmlns:a16="http://schemas.microsoft.com/office/drawing/2014/main" id="{B87E0E35-DAA9-4A5A-A11F-A31BE5FE0E30}"/>
-              </a:ext>
-            </a:extLst>
-          </p:cNvPr>
-          <p:cNvSpPr/>
-          <p:nvPr/>
-        </p:nvSpPr>
-        <p:spPr>
-          <a:xfrm>
-            <a:off x="7995298" y="1798438"/>
-            <a:ext cx="827690" cy="280566"/>
-          </a:xfrm>
-          <a:prstGeom prst="rect">
-            <a:avLst/>
-          </a:prstGeom>
-          <a:ln w="3175"/>
-        </p:spPr>
-        <p:style>
-          <a:lnRef idx="2">
-            <a:schemeClr val="dk1"/>
-          </a:lnRef>
-          <a:fillRef idx="1">
-            <a:schemeClr val="lt1"/>
-          </a:fillRef>
-          <a:effectRef idx="0">
-            <a:schemeClr val="dk1"/>
-          </a:effectRef>
-          <a:fontRef idx="minor">
-            <a:schemeClr val="dk1"/>
-          </a:fontRef>
-        </p:style>
-        <p:txBody>
-          <a:bodyPr rtlCol="0" anchor="ctr"/>
-          <a:lstStyle/>
-          <a:p>
-            <a:pPr algn="ctr"/>
-            <a:r>
-              <a:rPr lang="en-GB" sz="1000" dirty="0"/>
-              <a:t>A</a:t>
-            </a:r>
-            <a:endParaRPr lang="en-US" sz="1000" dirty="0"/>
-          </a:p>
-        </p:txBody>
-      </p:sp>
-      <p:sp>
-        <p:nvSpPr>
-          <p:cNvPr id="43" name="Rectangle 42">
-            <a:extLst>
-              <a:ext uri="{FF2B5EF4-FFF2-40B4-BE49-F238E27FC236}">
-                <a16:creationId xmlns:a16="http://schemas.microsoft.com/office/drawing/2014/main" id="{6D4F4CC5-4E6E-408E-8D70-409F9D779A24}"/>
-              </a:ext>
-            </a:extLst>
-          </p:cNvPr>
-          <p:cNvSpPr/>
-          <p:nvPr/>
-        </p:nvSpPr>
-        <p:spPr>
-          <a:xfrm>
-            <a:off x="9041182" y="1798438"/>
-            <a:ext cx="827690" cy="280566"/>
-          </a:xfrm>
-          <a:prstGeom prst="rect">
-            <a:avLst/>
-          </a:prstGeom>
-          <a:ln w="3175"/>
-        </p:spPr>
-        <p:style>
-          <a:lnRef idx="2">
-            <a:schemeClr val="dk1"/>
-          </a:lnRef>
-          <a:fillRef idx="1">
-            <a:schemeClr val="lt1"/>
-          </a:fillRef>
-          <a:effectRef idx="0">
-            <a:schemeClr val="dk1"/>
-          </a:effectRef>
-          <a:fontRef idx="minor">
-            <a:schemeClr val="dk1"/>
-          </a:fontRef>
-        </p:style>
-        <p:txBody>
-          <a:bodyPr rtlCol="0" anchor="ctr"/>
-          <a:lstStyle/>
-          <a:p>
-            <a:pPr algn="ctr"/>
-            <a:r>
-              <a:rPr lang="en-GB" sz="1000" dirty="0"/>
-              <a:t>X</a:t>
-            </a:r>
-            <a:endParaRPr lang="en-US" sz="1000" dirty="0"/>
-          </a:p>
-        </p:txBody>
-      </p:sp>
-      <p:sp>
-        <p:nvSpPr>
-          <p:cNvPr id="44" name="Rectangle 43">
-            <a:extLst>
-              <a:ext uri="{FF2B5EF4-FFF2-40B4-BE49-F238E27FC236}">
-                <a16:creationId xmlns:a16="http://schemas.microsoft.com/office/drawing/2014/main" id="{70DD7834-F598-4F1C-A2FC-2611881769B0}"/>
-              </a:ext>
-            </a:extLst>
-          </p:cNvPr>
-          <p:cNvSpPr/>
-          <p:nvPr/>
-        </p:nvSpPr>
-        <p:spPr>
-          <a:xfrm>
-            <a:off x="10087064" y="1798438"/>
-            <a:ext cx="827690" cy="288899"/>
-          </a:xfrm>
-          <a:prstGeom prst="rect">
-            <a:avLst/>
-          </a:prstGeom>
-          <a:ln w="3175"/>
-        </p:spPr>
-        <p:style>
-          <a:lnRef idx="2">
-            <a:schemeClr val="dk1"/>
-          </a:lnRef>
-          <a:fillRef idx="1">
-            <a:schemeClr val="lt1"/>
-          </a:fillRef>
-          <a:effectRef idx="0">
-            <a:schemeClr val="dk1"/>
-          </a:effectRef>
-          <a:fontRef idx="minor">
-            <a:schemeClr val="dk1"/>
-          </a:fontRef>
-        </p:style>
-        <p:txBody>
-          <a:bodyPr rtlCol="0" anchor="ctr"/>
-          <a:lstStyle/>
-          <a:p>
-            <a:pPr algn="ctr"/>
-            <a:r>
-              <a:rPr lang="en-GB" sz="1000" dirty="0"/>
-              <a:t>Y</a:t>
-            </a:r>
-            <a:endParaRPr lang="en-US" sz="1000" dirty="0"/>
-          </a:p>
-        </p:txBody>
-      </p:sp>
-      <p:sp>
-        <p:nvSpPr>
-          <p:cNvPr id="156" name="Rectangle 155">
-            <a:extLst>
-              <a:ext uri="{FF2B5EF4-FFF2-40B4-BE49-F238E27FC236}">
-                <a16:creationId xmlns:a16="http://schemas.microsoft.com/office/drawing/2014/main" id="{991F2330-6126-430F-ADDF-EECF868E3CA2}"/>
-              </a:ext>
-            </a:extLst>
-          </p:cNvPr>
-          <p:cNvSpPr/>
-          <p:nvPr/>
-        </p:nvSpPr>
-        <p:spPr>
-          <a:xfrm>
-            <a:off x="6949414" y="1798438"/>
-            <a:ext cx="827690" cy="280566"/>
-          </a:xfrm>
-          <a:prstGeom prst="rect">
-            <a:avLst/>
-          </a:prstGeom>
-          <a:ln w="3175"/>
-        </p:spPr>
-        <p:style>
-          <a:lnRef idx="2">
-            <a:schemeClr val="dk1"/>
-          </a:lnRef>
-          <a:fillRef idx="1">
-            <a:schemeClr val="lt1"/>
-          </a:fillRef>
-          <a:effectRef idx="0">
-            <a:schemeClr val="dk1"/>
-          </a:effectRef>
-          <a:fontRef idx="minor">
-            <a:schemeClr val="dk1"/>
-          </a:fontRef>
-        </p:style>
-        <p:txBody>
-          <a:bodyPr rtlCol="0" anchor="ctr"/>
-          <a:lstStyle/>
-          <a:p>
-            <a:pPr algn="ctr"/>
-            <a:r>
-              <a:rPr lang="en-GB" sz="1000" dirty="0"/>
-              <a:t>STASHH</a:t>
-            </a:r>
-            <a:endParaRPr lang="en-US" sz="1000" dirty="0"/>
-          </a:p>
-        </p:txBody>
-      </p:sp>
-      <p:sp>
-        <p:nvSpPr>
           <p:cNvPr id="182" name="Rectangle 181">
             <a:extLst>
               <a:ext uri="{FF2B5EF4-FFF2-40B4-BE49-F238E27FC236}">
@@ -8615,8 +8370,8 @@
         </p:nvSpPr>
         <p:spPr>
           <a:xfrm rot="16200000">
-            <a:off x="4663959" y="4675450"/>
-            <a:ext cx="316282" cy="1256345"/>
+            <a:off x="4532547" y="4560650"/>
+            <a:ext cx="349256" cy="1457792"/>
           </a:xfrm>
           <a:prstGeom prst="downArrow">
             <a:avLst>
@@ -8668,14 +8423,14 @@
         </p:nvSpPr>
         <p:spPr>
           <a:xfrm rot="10800000" flipH="1">
-            <a:off x="3822646" y="4869510"/>
-            <a:ext cx="701351" cy="576385"/>
+            <a:off x="3822646" y="4836253"/>
+            <a:ext cx="767906" cy="609642"/>
           </a:xfrm>
           <a:prstGeom prst="bentArrow">
             <a:avLst>
               <a:gd name="adj1" fmla="val 31295"/>
               <a:gd name="adj2" fmla="val 25080"/>
-              <a:gd name="adj3" fmla="val 1055"/>
+              <a:gd name="adj3" fmla="val 0"/>
               <a:gd name="adj4" fmla="val 18474"/>
             </a:avLst>
           </a:prstGeom>
@@ -9126,12 +8881,12 @@
         </p:nvSpPr>
         <p:spPr>
           <a:xfrm rot="16200000" flipH="1">
-            <a:off x="6894475" y="3862182"/>
-            <a:ext cx="1464522" cy="820552"/>
+            <a:off x="6896678" y="3864385"/>
+            <a:ext cx="1460116" cy="820552"/>
           </a:xfrm>
           <a:prstGeom prst="bentArrow">
             <a:avLst>
-              <a:gd name="adj1" fmla="val 25521"/>
+              <a:gd name="adj1" fmla="val 24940"/>
               <a:gd name="adj2" fmla="val 25080"/>
               <a:gd name="adj3" fmla="val 19375"/>
               <a:gd name="adj4" fmla="val 18474"/>
@@ -9190,14 +8945,14 @@
         </p:nvSpPr>
         <p:spPr>
           <a:xfrm rot="5400000" flipH="1">
-            <a:off x="10859151" y="4364560"/>
+            <a:off x="10861505" y="4355154"/>
             <a:ext cx="701351" cy="540363"/>
           </a:xfrm>
           <a:prstGeom prst="bentArrow">
             <a:avLst>
               <a:gd name="adj1" fmla="val 38133"/>
               <a:gd name="adj2" fmla="val 25080"/>
-              <a:gd name="adj3" fmla="val 1055"/>
+              <a:gd name="adj3" fmla="val 0"/>
               <a:gd name="adj4" fmla="val 18474"/>
             </a:avLst>
           </a:prstGeom>
@@ -9254,15 +9009,15 @@
         </p:nvSpPr>
         <p:spPr>
           <a:xfrm flipH="1">
-            <a:off x="10783214" y="3500008"/>
-            <a:ext cx="664922" cy="797630"/>
+            <a:off x="10784792" y="3506163"/>
+            <a:ext cx="664922" cy="812930"/>
           </a:xfrm>
           <a:prstGeom prst="bentArrow">
             <a:avLst>
-              <a:gd name="adj1" fmla="val 31295"/>
+              <a:gd name="adj1" fmla="val 30937"/>
               <a:gd name="adj2" fmla="val 21426"/>
               <a:gd name="adj3" fmla="val 0"/>
-              <a:gd name="adj4" fmla="val 16184"/>
+              <a:gd name="adj4" fmla="val 21556"/>
             </a:avLst>
           </a:prstGeom>
           <a:solidFill>
@@ -9579,7 +9334,7 @@
         </p:nvSpPr>
         <p:spPr>
           <a:xfrm>
-            <a:off x="7332653" y="2082232"/>
+            <a:off x="7220792" y="2068523"/>
             <a:ext cx="316866" cy="548831"/>
           </a:xfrm>
           <a:prstGeom prst="upDownArrow">
@@ -9633,7 +9388,7 @@
         </p:nvSpPr>
         <p:spPr>
           <a:xfrm>
-            <a:off x="8265541" y="2082232"/>
+            <a:off x="8257658" y="2082232"/>
             <a:ext cx="316866" cy="548831"/>
           </a:xfrm>
           <a:prstGeom prst="upDownArrow">
@@ -9687,7 +9442,7 @@
         </p:nvSpPr>
         <p:spPr>
           <a:xfrm>
-            <a:off x="9322450" y="2082232"/>
+            <a:off x="9306684" y="2082232"/>
             <a:ext cx="316866" cy="548831"/>
           </a:xfrm>
           <a:prstGeom prst="upDownArrow">
@@ -9741,7 +9496,7 @@
         </p:nvSpPr>
         <p:spPr>
           <a:xfrm>
-            <a:off x="10432569" y="2082232"/>
+            <a:off x="10323843" y="2083452"/>
             <a:ext cx="316866" cy="548831"/>
           </a:xfrm>
           <a:prstGeom prst="upDownArrow">
@@ -9849,8 +9604,8 @@
         </p:nvSpPr>
         <p:spPr>
           <a:xfrm>
-            <a:off x="2830226" y="2083452"/>
-            <a:ext cx="351509" cy="945054"/>
+            <a:off x="2830226" y="1995477"/>
+            <a:ext cx="351509" cy="1033029"/>
           </a:xfrm>
           <a:prstGeom prst="downArrow">
             <a:avLst/>
@@ -10095,6 +9850,349 @@
       </p:sp>
       <p:sp>
         <p:nvSpPr>
+          <p:cNvPr id="9" name="Rectangle 8">
+            <a:extLst>
+              <a:ext uri="{FF2B5EF4-FFF2-40B4-BE49-F238E27FC236}">
+                <a16:creationId xmlns:a16="http://schemas.microsoft.com/office/drawing/2014/main" id="{A2F9B9C3-65DC-445D-BB11-9BA115F9B13F}"/>
+              </a:ext>
+            </a:extLst>
+          </p:cNvPr>
+          <p:cNvSpPr/>
+          <p:nvPr/>
+        </p:nvSpPr>
+        <p:spPr>
+          <a:xfrm>
+            <a:off x="3811762" y="1798438"/>
+            <a:ext cx="827690" cy="283443"/>
+          </a:xfrm>
+          <a:prstGeom prst="rect">
+            <a:avLst/>
+          </a:prstGeom>
+          <a:ln w="3175"/>
+        </p:spPr>
+        <p:style>
+          <a:lnRef idx="2">
+            <a:schemeClr val="dk1"/>
+          </a:lnRef>
+          <a:fillRef idx="1">
+            <a:schemeClr val="lt1"/>
+          </a:fillRef>
+          <a:effectRef idx="0">
+            <a:schemeClr val="dk1"/>
+          </a:effectRef>
+          <a:fontRef idx="minor">
+            <a:schemeClr val="dk1"/>
+          </a:fontRef>
+        </p:style>
+        <p:txBody>
+          <a:bodyPr rtlCol="0" anchor="ctr"/>
+          <a:lstStyle/>
+          <a:p>
+            <a:pPr algn="ctr"/>
+            <a:r>
+              <a:rPr lang="en-GB" sz="1000" dirty="0"/>
+              <a:t>MBR</a:t>
+            </a:r>
+            <a:endParaRPr lang="en-US" sz="1000" dirty="0"/>
+          </a:p>
+        </p:txBody>
+      </p:sp>
+      <p:sp>
+        <p:nvSpPr>
+          <p:cNvPr id="6" name="Rectangle 5">
+            <a:extLst>
+              <a:ext uri="{FF2B5EF4-FFF2-40B4-BE49-F238E27FC236}">
+                <a16:creationId xmlns:a16="http://schemas.microsoft.com/office/drawing/2014/main" id="{512F4E7D-EB97-4933-B5BA-1C205DBA8F87}"/>
+              </a:ext>
+            </a:extLst>
+          </p:cNvPr>
+          <p:cNvSpPr/>
+          <p:nvPr/>
+        </p:nvSpPr>
+        <p:spPr>
+          <a:xfrm>
+            <a:off x="4857646" y="1798438"/>
+            <a:ext cx="827690" cy="280496"/>
+          </a:xfrm>
+          <a:prstGeom prst="rect">
+            <a:avLst/>
+          </a:prstGeom>
+          <a:ln w="3175"/>
+        </p:spPr>
+        <p:style>
+          <a:lnRef idx="2">
+            <a:schemeClr val="dk1"/>
+          </a:lnRef>
+          <a:fillRef idx="1">
+            <a:schemeClr val="lt1"/>
+          </a:fillRef>
+          <a:effectRef idx="0">
+            <a:schemeClr val="dk1"/>
+          </a:effectRef>
+          <a:fontRef idx="minor">
+            <a:schemeClr val="dk1"/>
+          </a:fontRef>
+        </p:style>
+        <p:txBody>
+          <a:bodyPr rtlCol="0" anchor="ctr"/>
+          <a:lstStyle/>
+          <a:p>
+            <a:pPr algn="ctr"/>
+            <a:r>
+              <a:rPr lang="en-GB" sz="1000" dirty="0"/>
+              <a:t>IR</a:t>
+            </a:r>
+            <a:endParaRPr lang="en-US" sz="1000" dirty="0"/>
+          </a:p>
+        </p:txBody>
+      </p:sp>
+      <p:sp>
+        <p:nvSpPr>
+          <p:cNvPr id="132" name="Rectangle 131">
+            <a:extLst>
+              <a:ext uri="{FF2B5EF4-FFF2-40B4-BE49-F238E27FC236}">
+                <a16:creationId xmlns:a16="http://schemas.microsoft.com/office/drawing/2014/main" id="{E17133B1-43AD-4300-A185-1AC0AD1CCCF9}"/>
+              </a:ext>
+            </a:extLst>
+          </p:cNvPr>
+          <p:cNvSpPr/>
+          <p:nvPr/>
+        </p:nvSpPr>
+        <p:spPr>
+          <a:xfrm rot="5400000">
+            <a:off x="5835498" y="5016611"/>
+            <a:ext cx="251984" cy="230561"/>
+          </a:xfrm>
+          <a:prstGeom prst="rect">
+            <a:avLst/>
+          </a:prstGeom>
+          <a:ln w="3175"/>
+        </p:spPr>
+        <p:style>
+          <a:lnRef idx="2">
+            <a:schemeClr val="dk1"/>
+          </a:lnRef>
+          <a:fillRef idx="1">
+            <a:schemeClr val="lt1"/>
+          </a:fillRef>
+          <a:effectRef idx="0">
+            <a:schemeClr val="dk1"/>
+          </a:effectRef>
+          <a:fontRef idx="minor">
+            <a:schemeClr val="dk1"/>
+          </a:fontRef>
+        </p:style>
+        <p:txBody>
+          <a:bodyPr rtlCol="0" anchor="ctr"/>
+          <a:lstStyle/>
+          <a:p>
+            <a:pPr algn="ctr"/>
+            <a:r>
+              <a:rPr lang="en-GB" sz="1000" dirty="0"/>
+              <a:t>B</a:t>
+            </a:r>
+            <a:endParaRPr lang="en-US" sz="1000" dirty="0"/>
+          </a:p>
+        </p:txBody>
+      </p:sp>
+      <p:sp>
+        <p:nvSpPr>
+          <p:cNvPr id="5" name="Rectangle 4">
+            <a:extLst>
+              <a:ext uri="{FF2B5EF4-FFF2-40B4-BE49-F238E27FC236}">
+                <a16:creationId xmlns:a16="http://schemas.microsoft.com/office/drawing/2014/main" id="{B87E0E35-DAA9-4A5A-A11F-A31BE5FE0E30}"/>
+              </a:ext>
+            </a:extLst>
+          </p:cNvPr>
+          <p:cNvSpPr/>
+          <p:nvPr/>
+        </p:nvSpPr>
+        <p:spPr>
+          <a:xfrm>
+            <a:off x="7995298" y="1798438"/>
+            <a:ext cx="827690" cy="280566"/>
+          </a:xfrm>
+          <a:prstGeom prst="rect">
+            <a:avLst/>
+          </a:prstGeom>
+          <a:ln w="3175"/>
+        </p:spPr>
+        <p:style>
+          <a:lnRef idx="2">
+            <a:schemeClr val="dk1"/>
+          </a:lnRef>
+          <a:fillRef idx="1">
+            <a:schemeClr val="lt1"/>
+          </a:fillRef>
+          <a:effectRef idx="0">
+            <a:schemeClr val="dk1"/>
+          </a:effectRef>
+          <a:fontRef idx="minor">
+            <a:schemeClr val="dk1"/>
+          </a:fontRef>
+        </p:style>
+        <p:txBody>
+          <a:bodyPr rtlCol="0" anchor="ctr"/>
+          <a:lstStyle/>
+          <a:p>
+            <a:pPr algn="ctr"/>
+            <a:r>
+              <a:rPr lang="en-GB" sz="1000" dirty="0"/>
+              <a:t>A</a:t>
+            </a:r>
+            <a:endParaRPr lang="en-US" sz="1000" dirty="0"/>
+          </a:p>
+        </p:txBody>
+      </p:sp>
+      <p:sp>
+        <p:nvSpPr>
+          <p:cNvPr id="43" name="Rectangle 42">
+            <a:extLst>
+              <a:ext uri="{FF2B5EF4-FFF2-40B4-BE49-F238E27FC236}">
+                <a16:creationId xmlns:a16="http://schemas.microsoft.com/office/drawing/2014/main" id="{6D4F4CC5-4E6E-408E-8D70-409F9D779A24}"/>
+              </a:ext>
+            </a:extLst>
+          </p:cNvPr>
+          <p:cNvSpPr/>
+          <p:nvPr/>
+        </p:nvSpPr>
+        <p:spPr>
+          <a:xfrm>
+            <a:off x="9041182" y="1798438"/>
+            <a:ext cx="827690" cy="280566"/>
+          </a:xfrm>
+          <a:prstGeom prst="rect">
+            <a:avLst/>
+          </a:prstGeom>
+          <a:ln w="3175"/>
+        </p:spPr>
+        <p:style>
+          <a:lnRef idx="2">
+            <a:schemeClr val="dk1"/>
+          </a:lnRef>
+          <a:fillRef idx="1">
+            <a:schemeClr val="lt1"/>
+          </a:fillRef>
+          <a:effectRef idx="0">
+            <a:schemeClr val="dk1"/>
+          </a:effectRef>
+          <a:fontRef idx="minor">
+            <a:schemeClr val="dk1"/>
+          </a:fontRef>
+        </p:style>
+        <p:txBody>
+          <a:bodyPr rtlCol="0" anchor="ctr"/>
+          <a:lstStyle/>
+          <a:p>
+            <a:pPr algn="ctr"/>
+            <a:r>
+              <a:rPr lang="en-GB" sz="1000" dirty="0"/>
+              <a:t>X</a:t>
+            </a:r>
+            <a:endParaRPr lang="en-US" sz="1000" dirty="0"/>
+          </a:p>
+        </p:txBody>
+      </p:sp>
+      <p:sp>
+        <p:nvSpPr>
+          <p:cNvPr id="44" name="Rectangle 43">
+            <a:extLst>
+              <a:ext uri="{FF2B5EF4-FFF2-40B4-BE49-F238E27FC236}">
+                <a16:creationId xmlns:a16="http://schemas.microsoft.com/office/drawing/2014/main" id="{70DD7834-F598-4F1C-A2FC-2611881769B0}"/>
+              </a:ext>
+            </a:extLst>
+          </p:cNvPr>
+          <p:cNvSpPr/>
+          <p:nvPr/>
+        </p:nvSpPr>
+        <p:spPr>
+          <a:xfrm>
+            <a:off x="10087064" y="1798438"/>
+            <a:ext cx="827690" cy="288899"/>
+          </a:xfrm>
+          <a:prstGeom prst="rect">
+            <a:avLst/>
+          </a:prstGeom>
+          <a:ln w="3175"/>
+        </p:spPr>
+        <p:style>
+          <a:lnRef idx="2">
+            <a:schemeClr val="dk1"/>
+          </a:lnRef>
+          <a:fillRef idx="1">
+            <a:schemeClr val="lt1"/>
+          </a:fillRef>
+          <a:effectRef idx="0">
+            <a:schemeClr val="dk1"/>
+          </a:effectRef>
+          <a:fontRef idx="minor">
+            <a:schemeClr val="dk1"/>
+          </a:fontRef>
+        </p:style>
+        <p:txBody>
+          <a:bodyPr rtlCol="0" anchor="ctr"/>
+          <a:lstStyle/>
+          <a:p>
+            <a:pPr algn="ctr"/>
+            <a:r>
+              <a:rPr lang="en-GB" sz="1000" dirty="0"/>
+              <a:t>Y</a:t>
+            </a:r>
+            <a:endParaRPr lang="en-US" sz="1000" dirty="0"/>
+          </a:p>
+        </p:txBody>
+      </p:sp>
+      <p:sp>
+        <p:nvSpPr>
+          <p:cNvPr id="156" name="Rectangle 155">
+            <a:extLst>
+              <a:ext uri="{FF2B5EF4-FFF2-40B4-BE49-F238E27FC236}">
+                <a16:creationId xmlns:a16="http://schemas.microsoft.com/office/drawing/2014/main" id="{991F2330-6126-430F-ADDF-EECF868E3CA2}"/>
+              </a:ext>
+            </a:extLst>
+          </p:cNvPr>
+          <p:cNvSpPr/>
+          <p:nvPr/>
+        </p:nvSpPr>
+        <p:spPr>
+          <a:xfrm>
+            <a:off x="6949414" y="1798438"/>
+            <a:ext cx="827690" cy="280566"/>
+          </a:xfrm>
+          <a:prstGeom prst="rect">
+            <a:avLst/>
+          </a:prstGeom>
+          <a:ln w="3175"/>
+        </p:spPr>
+        <p:style>
+          <a:lnRef idx="2">
+            <a:schemeClr val="dk1"/>
+          </a:lnRef>
+          <a:fillRef idx="1">
+            <a:schemeClr val="lt1"/>
+          </a:fillRef>
+          <a:effectRef idx="0">
+            <a:schemeClr val="dk1"/>
+          </a:effectRef>
+          <a:fontRef idx="minor">
+            <a:schemeClr val="dk1"/>
+          </a:fontRef>
+        </p:style>
+        <p:txBody>
+          <a:bodyPr rtlCol="0" anchor="ctr"/>
+          <a:lstStyle/>
+          <a:p>
+            <a:pPr algn="ctr"/>
+            <a:r>
+              <a:rPr lang="en-GB" sz="1000" dirty="0"/>
+              <a:t>STASHH</a:t>
+            </a:r>
+            <a:endParaRPr lang="en-US" sz="1000" dirty="0"/>
+          </a:p>
+        </p:txBody>
+      </p:sp>
+      <p:sp>
+        <p:nvSpPr>
           <p:cNvPr id="234" name="Rectangle 233">
             <a:extLst>
               <a:ext uri="{FF2B5EF4-FFF2-40B4-BE49-F238E27FC236}">
@@ -10144,20 +10242,20 @@
       </p:sp>
       <p:sp>
         <p:nvSpPr>
-          <p:cNvPr id="9" name="Rectangle 8">
-            <a:extLst>
-              <a:ext uri="{FF2B5EF4-FFF2-40B4-BE49-F238E27FC236}">
-                <a16:creationId xmlns:a16="http://schemas.microsoft.com/office/drawing/2014/main" id="{A2F9B9C3-65DC-445D-BB11-9BA115F9B13F}"/>
-              </a:ext>
-            </a:extLst>
-          </p:cNvPr>
-          <p:cNvSpPr/>
-          <p:nvPr/>
-        </p:nvSpPr>
-        <p:spPr>
-          <a:xfrm>
-            <a:off x="3811762" y="1798438"/>
-            <a:ext cx="827690" cy="283443"/>
+          <p:cNvPr id="277" name="Rectangle 276">
+            <a:extLst>
+              <a:ext uri="{FF2B5EF4-FFF2-40B4-BE49-F238E27FC236}">
+                <a16:creationId xmlns:a16="http://schemas.microsoft.com/office/drawing/2014/main" id="{0FC7CC50-BF00-47B2-B0B8-93D85DF2F859}"/>
+              </a:ext>
+            </a:extLst>
+          </p:cNvPr>
+          <p:cNvSpPr/>
+          <p:nvPr/>
+        </p:nvSpPr>
+        <p:spPr>
+          <a:xfrm rot="5400000">
+            <a:off x="5454933" y="5124977"/>
+            <a:ext cx="1489576" cy="252249"/>
           </a:xfrm>
           <a:prstGeom prst="rect">
             <a:avLst/>
@@ -10185,107 +10283,9 @@
             <a:pPr algn="ctr"/>
             <a:r>
               <a:rPr lang="en-GB" sz="1000" dirty="0"/>
-              <a:t>MBR</a:t>
-            </a:r>
-            <a:endParaRPr lang="en-US" sz="1000" dirty="0"/>
-          </a:p>
-        </p:txBody>
-      </p:sp>
-      <p:sp>
-        <p:nvSpPr>
-          <p:cNvPr id="6" name="Rectangle 5">
-            <a:extLst>
-              <a:ext uri="{FF2B5EF4-FFF2-40B4-BE49-F238E27FC236}">
-                <a16:creationId xmlns:a16="http://schemas.microsoft.com/office/drawing/2014/main" id="{512F4E7D-EB97-4933-B5BA-1C205DBA8F87}"/>
-              </a:ext>
-            </a:extLst>
-          </p:cNvPr>
-          <p:cNvSpPr/>
-          <p:nvPr/>
-        </p:nvSpPr>
-        <p:spPr>
-          <a:xfrm>
-            <a:off x="4857646" y="1798438"/>
-            <a:ext cx="827690" cy="280496"/>
-          </a:xfrm>
-          <a:prstGeom prst="rect">
-            <a:avLst/>
-          </a:prstGeom>
-          <a:ln w="3175"/>
-        </p:spPr>
-        <p:style>
-          <a:lnRef idx="2">
-            <a:schemeClr val="dk1"/>
-          </a:lnRef>
-          <a:fillRef idx="1">
-            <a:schemeClr val="lt1"/>
-          </a:fillRef>
-          <a:effectRef idx="0">
-            <a:schemeClr val="dk1"/>
-          </a:effectRef>
-          <a:fontRef idx="minor">
-            <a:schemeClr val="dk1"/>
-          </a:fontRef>
-        </p:style>
-        <p:txBody>
-          <a:bodyPr rtlCol="0" anchor="ctr"/>
-          <a:lstStyle/>
-          <a:p>
-            <a:pPr algn="ctr"/>
-            <a:r>
-              <a:rPr lang="en-GB" sz="1000" dirty="0"/>
-              <a:t>IR</a:t>
-            </a:r>
-            <a:endParaRPr lang="en-US" sz="1000" dirty="0"/>
-          </a:p>
-        </p:txBody>
-      </p:sp>
-      <p:sp>
-        <p:nvSpPr>
-          <p:cNvPr id="132" name="Rectangle 131">
-            <a:extLst>
-              <a:ext uri="{FF2B5EF4-FFF2-40B4-BE49-F238E27FC236}">
-                <a16:creationId xmlns:a16="http://schemas.microsoft.com/office/drawing/2014/main" id="{E17133B1-43AD-4300-A185-1AC0AD1CCCF9}"/>
-              </a:ext>
-            </a:extLst>
-          </p:cNvPr>
-          <p:cNvSpPr/>
-          <p:nvPr/>
-        </p:nvSpPr>
-        <p:spPr>
-          <a:xfrm rot="5400000">
-            <a:off x="5832323" y="5016611"/>
-            <a:ext cx="251984" cy="230561"/>
-          </a:xfrm>
-          <a:prstGeom prst="rect">
-            <a:avLst/>
-          </a:prstGeom>
-          <a:ln w="3175"/>
-        </p:spPr>
-        <p:style>
-          <a:lnRef idx="2">
-            <a:schemeClr val="dk1"/>
-          </a:lnRef>
-          <a:fillRef idx="1">
-            <a:schemeClr val="lt1"/>
-          </a:fillRef>
-          <a:effectRef idx="0">
-            <a:schemeClr val="dk1"/>
-          </a:effectRef>
-          <a:fontRef idx="minor">
-            <a:schemeClr val="dk1"/>
-          </a:fontRef>
-        </p:style>
-        <p:txBody>
-          <a:bodyPr rtlCol="0" anchor="ctr"/>
-          <a:lstStyle/>
-          <a:p>
-            <a:pPr algn="ctr"/>
-            <a:r>
-              <a:rPr lang="en-GB" sz="1000" dirty="0"/>
-              <a:t>B</a:t>
-            </a:r>
-            <a:endParaRPr lang="en-US" sz="1000" dirty="0"/>
+              <a:t>P</a:t>
+            </a:r>
+            <a:endParaRPr lang="en-US" sz="1000" baseline="-25000" dirty="0"/>
           </a:p>
         </p:txBody>
       </p:sp>
